--- a/trunk/resources/Neuro 2009/Brain Explosions/sample_presentation.pptx
+++ b/trunk/resources/Neuro 2009/Brain Explosions/sample_presentation.pptx
@@ -2,10 +2,11 @@
 <file path=ppt/presentation.xml><?xml version="1.0" encoding="utf-8"?>
 <p:presentation xmlns:a="http://schemas.openxmlformats.org/drawingml/2006/main" xmlns:r="http://schemas.openxmlformats.org/officeDocument/2006/relationships" xmlns:p="http://schemas.openxmlformats.org/presentationml/2006/main" saveSubsetFonts="1">
   <p:sldMasterIdLst>
-    <p:sldMasterId id="2147483648" r:id="rId1"/>
+    <p:sldMasterId id="2147483660" r:id="rId1"/>
   </p:sldMasterIdLst>
   <p:sldIdLst>
     <p:sldId id="256" r:id="rId2"/>
+    <p:sldId id="257" r:id="rId3"/>
   </p:sldIdLst>
   <p:sldSz cx="9144000" cy="6858000" type="screen4x3"/>
   <p:notesSz cx="6858000" cy="9144000"/>
@@ -108,7 +109,7 @@
 </file>
 
 <file path=ppt/slideLayouts/slideLayout1.xml><?xml version="1.0" encoding="utf-8"?>
-<p:sldLayout xmlns:a="http://schemas.openxmlformats.org/drawingml/2006/main" xmlns:r="http://schemas.openxmlformats.org/officeDocument/2006/relationships" xmlns:p="http://schemas.openxmlformats.org/presentationml/2006/main" type="title" preserve="1">
+<p:sldLayout xmlns:a="http://schemas.openxmlformats.org/drawingml/2006/main" xmlns:r="http://schemas.openxmlformats.org/officeDocument/2006/relationships" xmlns:p="http://schemas.openxmlformats.org/presentationml/2006/main" showMasterSp="0" type="title" preserve="1">
   <p:cSld name="Title Slide">
     <p:spTree>
       <p:nvGrpSpPr>
@@ -126,35 +127,210 @@
       </p:grpSpPr>
       <p:sp>
         <p:nvSpPr>
-          <p:cNvPr id="2" name="Title 1"/>
-          <p:cNvSpPr>
-            <a:spLocks noGrp="1"/>
-          </p:cNvSpPr>
-          <p:nvPr>
-            <p:ph type="ctrTitle"/>
-          </p:nvPr>
+          <p:cNvPr id="15" name="Rounded Rectangle 14"/>
+          <p:cNvSpPr/>
+          <p:nvPr/>
         </p:nvSpPr>
         <p:spPr>
           <a:xfrm>
-            <a:off x="685800" y="2130425"/>
-            <a:ext cx="7772400" cy="1470025"/>
+            <a:off x="304800" y="329184"/>
+            <a:ext cx="8532055" cy="6196819"/>
+          </a:xfrm>
+          <a:prstGeom prst="roundRect">
+            <a:avLst>
+              <a:gd name="adj" fmla="val 2081"/>
+            </a:avLst>
+          </a:prstGeom>
+          <a:gradFill flip="none" rotWithShape="1">
+            <a:gsLst>
+              <a:gs pos="0">
+                <a:srgbClr val="FFFFFF">
+                  <a:shade val="100000"/>
+                </a:srgbClr>
+              </a:gs>
+              <a:gs pos="98000">
+                <a:srgbClr val="FFFFFF">
+                  <a:shade val="100000"/>
+                </a:srgbClr>
+              </a:gs>
+              <a:gs pos="99055">
+                <a:srgbClr val="FFFFFF">
+                  <a:shade val="93000"/>
+                </a:srgbClr>
+              </a:gs>
+              <a:gs pos="100000">
+                <a:srgbClr val="FFFFFF">
+                  <a:shade val="70000"/>
+                </a:srgbClr>
+              </a:gs>
+            </a:gsLst>
+            <a:lin ang="5400000" scaled="1"/>
+            <a:tileRect/>
+          </a:gradFill>
+          <a:ln w="2000" cap="rnd" cmpd="sng" algn="ctr">
+            <a:solidFill>
+              <a:srgbClr val="302F2C">
+                <a:tint val="65000"/>
+                <a:satMod val="120000"/>
+              </a:srgbClr>
+            </a:solidFill>
+            <a:prstDash val="solid"/>
+          </a:ln>
+          <a:effectLst>
+            <a:outerShdw blurRad="76200" dist="50800" dir="5400000" algn="tl" rotWithShape="0">
+              <a:srgbClr val="000000">
+                <a:alpha val="25000"/>
+              </a:srgbClr>
+            </a:outerShdw>
+          </a:effectLst>
+        </p:spPr>
+        <p:style>
+          <a:lnRef idx="3">
+            <a:schemeClr val="lt1"/>
+          </a:lnRef>
+          <a:fillRef idx="1">
+            <a:schemeClr val="accent1"/>
+          </a:fillRef>
+          <a:effectRef idx="1">
+            <a:schemeClr val="accent1"/>
+          </a:effectRef>
+          <a:fontRef idx="minor">
+            <a:schemeClr val="lt1"/>
+          </a:fontRef>
+        </p:style>
+        <p:txBody>
+          <a:bodyPr anchor="ctr"/>
+          <a:lstStyle>
+            <a:extLst/>
+          </a:lstStyle>
+          <a:p>
+            <a:pPr algn="ctr" eaLnBrk="1" latinLnBrk="0" hangingPunct="1"/>
+            <a:endParaRPr kumimoji="0" lang="en-US"/>
+          </a:p>
+        </p:txBody>
+      </p:sp>
+      <p:sp>
+        <p:nvSpPr>
+          <p:cNvPr id="10" name="Rounded Rectangle 9"/>
+          <p:cNvSpPr/>
+          <p:nvPr/>
+        </p:nvSpPr>
+        <p:spPr>
+          <a:xfrm>
+            <a:off x="418596" y="434162"/>
+            <a:ext cx="8306809" cy="3108960"/>
+          </a:xfrm>
+          <a:prstGeom prst="roundRect">
+            <a:avLst>
+              <a:gd name="adj" fmla="val 4578"/>
+            </a:avLst>
+          </a:prstGeom>
+          <a:gradFill rotWithShape="1">
+            <a:gsLst>
+              <a:gs pos="0">
+                <a:schemeClr val="bg1">
+                  <a:tint val="75000"/>
+                  <a:satMod val="150000"/>
+                </a:schemeClr>
+              </a:gs>
+              <a:gs pos="55000">
+                <a:schemeClr val="bg1">
+                  <a:shade val="75000"/>
+                  <a:satMod val="100000"/>
+                </a:schemeClr>
+              </a:gs>
+              <a:gs pos="100000">
+                <a:schemeClr val="bg1">
+                  <a:shade val="35000"/>
+                  <a:satMod val="100000"/>
+                </a:schemeClr>
+              </a:gs>
+            </a:gsLst>
+            <a:path path="circle">
+              <a:fillToRect l="50000" t="175000" r="50000" b="-75000"/>
+            </a:path>
+          </a:gradFill>
+          <a:ln w="8890" cap="rnd" cmpd="sng" algn="ctr">
+            <a:noFill/>
+            <a:prstDash val="solid"/>
+          </a:ln>
+          <a:effectLst/>
+        </p:spPr>
+        <p:style>
+          <a:lnRef idx="3">
+            <a:schemeClr val="lt1"/>
+          </a:lnRef>
+          <a:fillRef idx="1">
+            <a:schemeClr val="accent1"/>
+          </a:fillRef>
+          <a:effectRef idx="1">
+            <a:schemeClr val="accent1"/>
+          </a:effectRef>
+          <a:fontRef idx="minor">
+            <a:schemeClr val="lt1"/>
+          </a:fontRef>
+        </p:style>
+        <p:txBody>
+          <a:bodyPr anchor="ctr"/>
+          <a:lstStyle>
+            <a:extLst/>
+          </a:lstStyle>
+          <a:p>
+            <a:pPr algn="ctr" eaLnBrk="1" latinLnBrk="0" hangingPunct="1"/>
+            <a:endParaRPr kumimoji="0" lang="en-US"/>
+          </a:p>
+        </p:txBody>
+      </p:sp>
+      <p:sp>
+        <p:nvSpPr>
+          <p:cNvPr id="5" name="Title 4"/>
+          <p:cNvSpPr>
+            <a:spLocks noGrp="1"/>
+          </p:cNvSpPr>
+          <p:nvPr>
+            <p:ph type="ctrTitle"/>
+          </p:nvPr>
+        </p:nvSpPr>
+        <p:spPr>
+          <a:xfrm>
+            <a:off x="722376" y="1820206"/>
+            <a:ext cx="7772400" cy="1828800"/>
           </a:xfrm>
         </p:spPr>
         <p:txBody>
-          <a:bodyPr/>
-          <a:lstStyle/>
-          <a:p>
-            <a:r>
-              <a:rPr lang="en-US" smtClean="0"/>
+          <a:bodyPr lIns="45720" rIns="45720" bIns="45720"/>
+          <a:lstStyle>
+            <a:lvl1pPr algn="r">
+              <a:defRPr sz="4500" b="1">
+                <a:solidFill>
+                  <a:schemeClr val="accent1">
+                    <a:tint val="88000"/>
+                    <a:satMod val="150000"/>
+                  </a:schemeClr>
+                </a:solidFill>
+                <a:effectLst>
+                  <a:outerShdw blurRad="53975" dist="22860" dir="5400000" algn="tl" rotWithShape="0">
+                    <a:srgbClr val="000000">
+                      <a:alpha val="55000"/>
+                    </a:srgbClr>
+                  </a:outerShdw>
+                </a:effectLst>
+              </a:defRPr>
+            </a:lvl1pPr>
+            <a:extLst/>
+          </a:lstStyle>
+          <a:p>
+            <a:r>
+              <a:rPr kumimoji="0" lang="en-US" smtClean="0"/>
               <a:t>Click to edit Master title style</a:t>
             </a:r>
-            <a:endParaRPr lang="en-US"/>
-          </a:p>
-        </p:txBody>
-      </p:sp>
-      <p:sp>
-        <p:nvSpPr>
-          <p:cNvPr id="3" name="Subtitle 2"/>
+            <a:endParaRPr kumimoji="0" lang="en-US"/>
+          </a:p>
+        </p:txBody>
+      </p:sp>
+      <p:sp>
+        <p:nvSpPr>
+          <p:cNvPr id="20" name="Subtitle 19"/>
           <p:cNvSpPr>
             <a:spLocks noGrp="1"/>
           </p:cNvSpPr>
@@ -164,116 +340,64 @@
         </p:nvSpPr>
         <p:spPr>
           <a:xfrm>
-            <a:off x="1371600" y="3886200"/>
-            <a:ext cx="6400800" cy="1752600"/>
+            <a:off x="722376" y="3685032"/>
+            <a:ext cx="7772400" cy="914400"/>
           </a:xfrm>
         </p:spPr>
         <p:txBody>
-          <a:bodyPr/>
-          <a:lstStyle>
-            <a:lvl1pPr marL="0" indent="0" algn="ctr">
+          <a:bodyPr lIns="182880" tIns="0"/>
+          <a:lstStyle>
+            <a:lvl1pPr marL="36576" indent="0" algn="r">
+              <a:spcBef>
+                <a:spcPts val="0"/>
+              </a:spcBef>
               <a:buNone/>
-              <a:defRPr>
+              <a:defRPr sz="2000">
                 <a:solidFill>
-                  <a:schemeClr val="tx1">
-                    <a:tint val="75000"/>
+                  <a:schemeClr val="bg2">
+                    <a:shade val="25000"/>
                   </a:schemeClr>
                 </a:solidFill>
               </a:defRPr>
             </a:lvl1pPr>
             <a:lvl2pPr marL="457200" indent="0" algn="ctr">
               <a:buNone/>
-              <a:defRPr>
-                <a:solidFill>
-                  <a:schemeClr val="tx1">
-                    <a:tint val="75000"/>
-                  </a:schemeClr>
-                </a:solidFill>
-              </a:defRPr>
             </a:lvl2pPr>
             <a:lvl3pPr marL="914400" indent="0" algn="ctr">
               <a:buNone/>
-              <a:defRPr>
-                <a:solidFill>
-                  <a:schemeClr val="tx1">
-                    <a:tint val="75000"/>
-                  </a:schemeClr>
-                </a:solidFill>
-              </a:defRPr>
             </a:lvl3pPr>
             <a:lvl4pPr marL="1371600" indent="0" algn="ctr">
               <a:buNone/>
-              <a:defRPr>
-                <a:solidFill>
-                  <a:schemeClr val="tx1">
-                    <a:tint val="75000"/>
-                  </a:schemeClr>
-                </a:solidFill>
-              </a:defRPr>
             </a:lvl4pPr>
             <a:lvl5pPr marL="1828800" indent="0" algn="ctr">
               <a:buNone/>
-              <a:defRPr>
-                <a:solidFill>
-                  <a:schemeClr val="tx1">
-                    <a:tint val="75000"/>
-                  </a:schemeClr>
-                </a:solidFill>
-              </a:defRPr>
             </a:lvl5pPr>
             <a:lvl6pPr marL="2286000" indent="0" algn="ctr">
               <a:buNone/>
-              <a:defRPr>
-                <a:solidFill>
-                  <a:schemeClr val="tx1">
-                    <a:tint val="75000"/>
-                  </a:schemeClr>
-                </a:solidFill>
-              </a:defRPr>
             </a:lvl6pPr>
             <a:lvl7pPr marL="2743200" indent="0" algn="ctr">
               <a:buNone/>
-              <a:defRPr>
-                <a:solidFill>
-                  <a:schemeClr val="tx1">
-                    <a:tint val="75000"/>
-                  </a:schemeClr>
-                </a:solidFill>
-              </a:defRPr>
             </a:lvl7pPr>
             <a:lvl8pPr marL="3200400" indent="0" algn="ctr">
               <a:buNone/>
-              <a:defRPr>
-                <a:solidFill>
-                  <a:schemeClr val="tx1">
-                    <a:tint val="75000"/>
-                  </a:schemeClr>
-                </a:solidFill>
-              </a:defRPr>
             </a:lvl8pPr>
             <a:lvl9pPr marL="3657600" indent="0" algn="ctr">
               <a:buNone/>
-              <a:defRPr>
-                <a:solidFill>
-                  <a:schemeClr val="tx1">
-                    <a:tint val="75000"/>
-                  </a:schemeClr>
-                </a:solidFill>
-              </a:defRPr>
             </a:lvl9pPr>
-          </a:lstStyle>
-          <a:p>
-            <a:r>
-              <a:rPr lang="en-US" smtClean="0"/>
+            <a:extLst/>
+          </a:lstStyle>
+          <a:p>
+            <a:r>
+              <a:rPr kumimoji="0" lang="en-US" smtClean="0"/>
               <a:t>Click to edit Master subtitle style</a:t>
             </a:r>
-            <a:endParaRPr lang="en-US"/>
-          </a:p>
-        </p:txBody>
-      </p:sp>
-      <p:sp>
-        <p:nvSpPr>
-          <p:cNvPr id="4" name="Date Placeholder 3"/>
+            <a:endParaRPr kumimoji="0" lang="en-US"/>
+          </a:p>
+        </p:txBody>
+      </p:sp>
+      <p:sp>
+        <p:nvSpPr>
+          <p:cNvPr id="19" name="Date Placeholder 18"/>
           <p:cNvSpPr>
             <a:spLocks noGrp="1"/>
           </p:cNvSpPr>
@@ -284,11 +408,14 @@
         <p:spPr/>
         <p:txBody>
           <a:bodyPr/>
-          <a:lstStyle/>
+          <a:lstStyle>
+            <a:extLst/>
+          </a:lstStyle>
           <a:p>
             <a:fld id="{D57FE7D9-EEF6-4C52-9426-8CFAAA401C52}" type="datetimeFigureOut">
               <a:rPr lang="en-US" smtClean="0"/>
-              <a:t>10/27/2009</a:t>
+              <a:pPr/>
+              <a:t>10/28/2009</a:t>
             </a:fld>
             <a:endParaRPr lang="en-US"/>
           </a:p>
@@ -296,7 +423,7 @@
       </p:sp>
       <p:sp>
         <p:nvSpPr>
-          <p:cNvPr id="5" name="Footer Placeholder 4"/>
+          <p:cNvPr id="8" name="Footer Placeholder 7"/>
           <p:cNvSpPr>
             <a:spLocks noGrp="1"/>
           </p:cNvSpPr>
@@ -307,7 +434,9 @@
         <p:spPr/>
         <p:txBody>
           <a:bodyPr/>
-          <a:lstStyle/>
+          <a:lstStyle>
+            <a:extLst/>
+          </a:lstStyle>
           <a:p>
             <a:endParaRPr lang="en-US"/>
           </a:p>
@@ -315,7 +444,7 @@
       </p:sp>
       <p:sp>
         <p:nvSpPr>
-          <p:cNvPr id="6" name="Slide Number Placeholder 5"/>
+          <p:cNvPr id="11" name="Slide Number Placeholder 10"/>
           <p:cNvSpPr>
             <a:spLocks noGrp="1"/>
           </p:cNvSpPr>
@@ -326,10 +455,13 @@
         <p:spPr/>
         <p:txBody>
           <a:bodyPr/>
-          <a:lstStyle/>
+          <a:lstStyle>
+            <a:extLst/>
+          </a:lstStyle>
           <a:p>
             <a:fld id="{348DBE1F-2912-458F-ADE3-82B5A8BED712}" type="slidenum">
               <a:rPr lang="en-US" smtClean="0"/>
+              <a:pPr/>
               <a:t>‹#›</a:t>
             </a:fld>
             <a:endParaRPr lang="en-US"/>
@@ -371,89 +503,106 @@
             <p:ph type="title"/>
           </p:nvPr>
         </p:nvSpPr>
+        <p:spPr>
+          <a:xfrm>
+            <a:off x="502920" y="4983480"/>
+            <a:ext cx="8183880" cy="1051560"/>
+          </a:xfrm>
+        </p:spPr>
+        <p:txBody>
+          <a:bodyPr/>
+          <a:lstStyle>
+            <a:extLst/>
+          </a:lstStyle>
+          <a:p>
+            <a:r>
+              <a:rPr kumimoji="0" lang="en-US" smtClean="0"/>
+              <a:t>Click to edit Master title style</a:t>
+            </a:r>
+            <a:endParaRPr kumimoji="0" lang="en-US"/>
+          </a:p>
+        </p:txBody>
+      </p:sp>
+      <p:sp>
+        <p:nvSpPr>
+          <p:cNvPr id="3" name="Vertical Text Placeholder 2"/>
+          <p:cNvSpPr>
+            <a:spLocks noGrp="1"/>
+          </p:cNvSpPr>
+          <p:nvPr>
+            <p:ph type="body" orient="vert" idx="1"/>
+          </p:nvPr>
+        </p:nvSpPr>
+        <p:spPr>
+          <a:xfrm>
+            <a:off x="502920" y="530352"/>
+            <a:ext cx="8183880" cy="4187952"/>
+          </a:xfrm>
+        </p:spPr>
+        <p:txBody>
+          <a:bodyPr vert="eaVert"/>
+          <a:lstStyle>
+            <a:extLst/>
+          </a:lstStyle>
+          <a:p>
+            <a:pPr lvl="0" eaLnBrk="1" latinLnBrk="0" hangingPunct="1"/>
+            <a:r>
+              <a:rPr lang="en-US" smtClean="0"/>
+              <a:t>Click to edit Master text styles</a:t>
+            </a:r>
+          </a:p>
+          <a:p>
+            <a:pPr lvl="1" eaLnBrk="1" latinLnBrk="0" hangingPunct="1"/>
+            <a:r>
+              <a:rPr lang="en-US" smtClean="0"/>
+              <a:t>Second level</a:t>
+            </a:r>
+          </a:p>
+          <a:p>
+            <a:pPr lvl="2" eaLnBrk="1" latinLnBrk="0" hangingPunct="1"/>
+            <a:r>
+              <a:rPr lang="en-US" smtClean="0"/>
+              <a:t>Third level</a:t>
+            </a:r>
+          </a:p>
+          <a:p>
+            <a:pPr lvl="3" eaLnBrk="1" latinLnBrk="0" hangingPunct="1"/>
+            <a:r>
+              <a:rPr lang="en-US" smtClean="0"/>
+              <a:t>Fourth level</a:t>
+            </a:r>
+          </a:p>
+          <a:p>
+            <a:pPr lvl="4" eaLnBrk="1" latinLnBrk="0" hangingPunct="1"/>
+            <a:r>
+              <a:rPr lang="en-US" smtClean="0"/>
+              <a:t>Fifth level</a:t>
+            </a:r>
+            <a:endParaRPr kumimoji="0" lang="en-US"/>
+          </a:p>
+        </p:txBody>
+      </p:sp>
+      <p:sp>
+        <p:nvSpPr>
+          <p:cNvPr id="4" name="Date Placeholder 3"/>
+          <p:cNvSpPr>
+            <a:spLocks noGrp="1"/>
+          </p:cNvSpPr>
+          <p:nvPr>
+            <p:ph type="dt" sz="half" idx="10"/>
+          </p:nvPr>
+        </p:nvSpPr>
         <p:spPr/>
         <p:txBody>
           <a:bodyPr/>
-          <a:lstStyle/>
-          <a:p>
-            <a:r>
-              <a:rPr lang="en-US" smtClean="0"/>
-              <a:t>Click to edit Master title style</a:t>
-            </a:r>
-            <a:endParaRPr lang="en-US"/>
-          </a:p>
-        </p:txBody>
-      </p:sp>
-      <p:sp>
-        <p:nvSpPr>
-          <p:cNvPr id="3" name="Vertical Text Placeholder 2"/>
-          <p:cNvSpPr>
-            <a:spLocks noGrp="1"/>
-          </p:cNvSpPr>
-          <p:nvPr>
-            <p:ph type="body" orient="vert" idx="1"/>
-          </p:nvPr>
-        </p:nvSpPr>
-        <p:spPr/>
-        <p:txBody>
-          <a:bodyPr vert="eaVert"/>
-          <a:lstStyle/>
-          <a:p>
-            <a:pPr lvl="0"/>
-            <a:r>
-              <a:rPr lang="en-US" smtClean="0"/>
-              <a:t>Click to edit Master text styles</a:t>
-            </a:r>
-          </a:p>
-          <a:p>
-            <a:pPr lvl="1"/>
-            <a:r>
-              <a:rPr lang="en-US" smtClean="0"/>
-              <a:t>Second level</a:t>
-            </a:r>
-          </a:p>
-          <a:p>
-            <a:pPr lvl="2"/>
-            <a:r>
-              <a:rPr lang="en-US" smtClean="0"/>
-              <a:t>Third level</a:t>
-            </a:r>
-          </a:p>
-          <a:p>
-            <a:pPr lvl="3"/>
-            <a:r>
-              <a:rPr lang="en-US" smtClean="0"/>
-              <a:t>Fourth level</a:t>
-            </a:r>
-          </a:p>
-          <a:p>
-            <a:pPr lvl="4"/>
-            <a:r>
-              <a:rPr lang="en-US" smtClean="0"/>
-              <a:t>Fifth level</a:t>
-            </a:r>
-            <a:endParaRPr lang="en-US"/>
-          </a:p>
-        </p:txBody>
-      </p:sp>
-      <p:sp>
-        <p:nvSpPr>
-          <p:cNvPr id="4" name="Date Placeholder 3"/>
-          <p:cNvSpPr>
-            <a:spLocks noGrp="1"/>
-          </p:cNvSpPr>
-          <p:nvPr>
-            <p:ph type="dt" sz="half" idx="10"/>
-          </p:nvPr>
-        </p:nvSpPr>
-        <p:spPr/>
-        <p:txBody>
-          <a:bodyPr/>
-          <a:lstStyle/>
+          <a:lstStyle>
+            <a:extLst/>
+          </a:lstStyle>
           <a:p>
             <a:fld id="{D57FE7D9-EEF6-4C52-9426-8CFAAA401C52}" type="datetimeFigureOut">
               <a:rPr lang="en-US" smtClean="0"/>
-              <a:t>10/27/2009</a:t>
+              <a:pPr/>
+              <a:t>10/28/2009</a:t>
             </a:fld>
             <a:endParaRPr lang="en-US"/>
           </a:p>
@@ -472,7 +621,9 @@
         <p:spPr/>
         <p:txBody>
           <a:bodyPr/>
-          <a:lstStyle/>
+          <a:lstStyle>
+            <a:extLst/>
+          </a:lstStyle>
           <a:p>
             <a:endParaRPr lang="en-US"/>
           </a:p>
@@ -491,10 +642,13 @@
         <p:spPr/>
         <p:txBody>
           <a:bodyPr/>
-          <a:lstStyle/>
+          <a:lstStyle>
+            <a:extLst/>
+          </a:lstStyle>
           <a:p>
             <a:fld id="{348DBE1F-2912-458F-ADE3-82B5A8BED712}" type="slidenum">
               <a:rPr lang="en-US" smtClean="0"/>
+              <a:pPr/>
               <a:t>‹#›</a:t>
             </a:fld>
             <a:endParaRPr lang="en-US"/>
@@ -538,19 +692,21 @@
         </p:nvSpPr>
         <p:spPr>
           <a:xfrm>
-            <a:off x="6629400" y="274638"/>
-            <a:ext cx="2057400" cy="5851525"/>
+            <a:off x="6629400" y="533404"/>
+            <a:ext cx="1981200" cy="5257799"/>
           </a:xfrm>
         </p:spPr>
         <p:txBody>
           <a:bodyPr vert="eaVert"/>
-          <a:lstStyle/>
-          <a:p>
-            <a:r>
-              <a:rPr lang="en-US" smtClean="0"/>
+          <a:lstStyle>
+            <a:extLst/>
+          </a:lstStyle>
+          <a:p>
+            <a:r>
+              <a:rPr kumimoji="0" lang="en-US" smtClean="0"/>
               <a:t>Click to edit Master title style</a:t>
             </a:r>
-            <a:endParaRPr lang="en-US"/>
+            <a:endParaRPr kumimoji="0" lang="en-US"/>
           </a:p>
         </p:txBody>
       </p:sp>
@@ -566,48 +722,50 @@
         </p:nvSpPr>
         <p:spPr>
           <a:xfrm>
-            <a:off x="457200" y="274638"/>
-            <a:ext cx="6019800" cy="5851525"/>
+            <a:off x="533400" y="533402"/>
+            <a:ext cx="5943600" cy="5257801"/>
           </a:xfrm>
         </p:spPr>
         <p:txBody>
           <a:bodyPr vert="eaVert"/>
-          <a:lstStyle/>
-          <a:p>
-            <a:pPr lvl="0"/>
+          <a:lstStyle>
+            <a:extLst/>
+          </a:lstStyle>
+          <a:p>
+            <a:pPr lvl="0" eaLnBrk="1" latinLnBrk="0" hangingPunct="1"/>
             <a:r>
               <a:rPr lang="en-US" smtClean="0"/>
               <a:t>Click to edit Master text styles</a:t>
             </a:r>
           </a:p>
           <a:p>
-            <a:pPr lvl="1"/>
+            <a:pPr lvl="1" eaLnBrk="1" latinLnBrk="0" hangingPunct="1"/>
             <a:r>
               <a:rPr lang="en-US" smtClean="0"/>
               <a:t>Second level</a:t>
             </a:r>
           </a:p>
           <a:p>
-            <a:pPr lvl="2"/>
+            <a:pPr lvl="2" eaLnBrk="1" latinLnBrk="0" hangingPunct="1"/>
             <a:r>
               <a:rPr lang="en-US" smtClean="0"/>
               <a:t>Third level</a:t>
             </a:r>
           </a:p>
           <a:p>
-            <a:pPr lvl="3"/>
+            <a:pPr lvl="3" eaLnBrk="1" latinLnBrk="0" hangingPunct="1"/>
             <a:r>
               <a:rPr lang="en-US" smtClean="0"/>
               <a:t>Fourth level</a:t>
             </a:r>
           </a:p>
           <a:p>
-            <a:pPr lvl="4"/>
+            <a:pPr lvl="4" eaLnBrk="1" latinLnBrk="0" hangingPunct="1"/>
             <a:r>
               <a:rPr lang="en-US" smtClean="0"/>
               <a:t>Fifth level</a:t>
             </a:r>
-            <a:endParaRPr lang="en-US"/>
+            <a:endParaRPr kumimoji="0" lang="en-US"/>
           </a:p>
         </p:txBody>
       </p:sp>
@@ -624,11 +782,14 @@
         <p:spPr/>
         <p:txBody>
           <a:bodyPr/>
-          <a:lstStyle/>
+          <a:lstStyle>
+            <a:extLst/>
+          </a:lstStyle>
           <a:p>
             <a:fld id="{D57FE7D9-EEF6-4C52-9426-8CFAAA401C52}" type="datetimeFigureOut">
               <a:rPr lang="en-US" smtClean="0"/>
-              <a:t>10/27/2009</a:t>
+              <a:pPr/>
+              <a:t>10/28/2009</a:t>
             </a:fld>
             <a:endParaRPr lang="en-US"/>
           </a:p>
@@ -647,7 +808,9 @@
         <p:spPr/>
         <p:txBody>
           <a:bodyPr/>
-          <a:lstStyle/>
+          <a:lstStyle>
+            <a:extLst/>
+          </a:lstStyle>
           <a:p>
             <a:endParaRPr lang="en-US"/>
           </a:p>
@@ -666,10 +829,13 @@
         <p:spPr/>
         <p:txBody>
           <a:bodyPr/>
-          <a:lstStyle/>
+          <a:lstStyle>
+            <a:extLst/>
+          </a:lstStyle>
           <a:p>
             <a:fld id="{348DBE1F-2912-458F-ADE3-82B5A8BED712}" type="slidenum">
               <a:rPr lang="en-US" smtClean="0"/>
+              <a:pPr/>
               <a:t>‹#›</a:t>
             </a:fld>
             <a:endParaRPr lang="en-US"/>
@@ -711,89 +877,106 @@
             <p:ph type="title"/>
           </p:nvPr>
         </p:nvSpPr>
+        <p:spPr>
+          <a:xfrm>
+            <a:off x="502920" y="4983480"/>
+            <a:ext cx="8183880" cy="1051560"/>
+          </a:xfrm>
+        </p:spPr>
+        <p:txBody>
+          <a:bodyPr/>
+          <a:lstStyle>
+            <a:extLst/>
+          </a:lstStyle>
+          <a:p>
+            <a:r>
+              <a:rPr kumimoji="0" lang="en-US" smtClean="0"/>
+              <a:t>Click to edit Master title style</a:t>
+            </a:r>
+            <a:endParaRPr kumimoji="0" lang="en-US"/>
+          </a:p>
+        </p:txBody>
+      </p:sp>
+      <p:sp>
+        <p:nvSpPr>
+          <p:cNvPr id="3" name="Content Placeholder 2"/>
+          <p:cNvSpPr>
+            <a:spLocks noGrp="1"/>
+          </p:cNvSpPr>
+          <p:nvPr>
+            <p:ph idx="1"/>
+          </p:nvPr>
+        </p:nvSpPr>
+        <p:spPr>
+          <a:xfrm>
+            <a:off x="502920" y="530352"/>
+            <a:ext cx="8183880" cy="4187952"/>
+          </a:xfrm>
+        </p:spPr>
+        <p:txBody>
+          <a:bodyPr/>
+          <a:lstStyle>
+            <a:extLst/>
+          </a:lstStyle>
+          <a:p>
+            <a:pPr lvl="0" eaLnBrk="1" latinLnBrk="0" hangingPunct="1"/>
+            <a:r>
+              <a:rPr lang="en-US" smtClean="0"/>
+              <a:t>Click to edit Master text styles</a:t>
+            </a:r>
+          </a:p>
+          <a:p>
+            <a:pPr lvl="1" eaLnBrk="1" latinLnBrk="0" hangingPunct="1"/>
+            <a:r>
+              <a:rPr lang="en-US" smtClean="0"/>
+              <a:t>Second level</a:t>
+            </a:r>
+          </a:p>
+          <a:p>
+            <a:pPr lvl="2" eaLnBrk="1" latinLnBrk="0" hangingPunct="1"/>
+            <a:r>
+              <a:rPr lang="en-US" smtClean="0"/>
+              <a:t>Third level</a:t>
+            </a:r>
+          </a:p>
+          <a:p>
+            <a:pPr lvl="3" eaLnBrk="1" latinLnBrk="0" hangingPunct="1"/>
+            <a:r>
+              <a:rPr lang="en-US" smtClean="0"/>
+              <a:t>Fourth level</a:t>
+            </a:r>
+          </a:p>
+          <a:p>
+            <a:pPr lvl="4" eaLnBrk="1" latinLnBrk="0" hangingPunct="1"/>
+            <a:r>
+              <a:rPr lang="en-US" smtClean="0"/>
+              <a:t>Fifth level</a:t>
+            </a:r>
+            <a:endParaRPr kumimoji="0" lang="en-US"/>
+          </a:p>
+        </p:txBody>
+      </p:sp>
+      <p:sp>
+        <p:nvSpPr>
+          <p:cNvPr id="4" name="Date Placeholder 3"/>
+          <p:cNvSpPr>
+            <a:spLocks noGrp="1"/>
+          </p:cNvSpPr>
+          <p:nvPr>
+            <p:ph type="dt" sz="half" idx="10"/>
+          </p:nvPr>
+        </p:nvSpPr>
         <p:spPr/>
         <p:txBody>
           <a:bodyPr/>
-          <a:lstStyle/>
-          <a:p>
-            <a:r>
-              <a:rPr lang="en-US" smtClean="0"/>
-              <a:t>Click to edit Master title style</a:t>
-            </a:r>
-            <a:endParaRPr lang="en-US"/>
-          </a:p>
-        </p:txBody>
-      </p:sp>
-      <p:sp>
-        <p:nvSpPr>
-          <p:cNvPr id="3" name="Content Placeholder 2"/>
-          <p:cNvSpPr>
-            <a:spLocks noGrp="1"/>
-          </p:cNvSpPr>
-          <p:nvPr>
-            <p:ph idx="1"/>
-          </p:nvPr>
-        </p:nvSpPr>
-        <p:spPr/>
-        <p:txBody>
-          <a:bodyPr/>
-          <a:lstStyle/>
-          <a:p>
-            <a:pPr lvl="0"/>
-            <a:r>
-              <a:rPr lang="en-US" smtClean="0"/>
-              <a:t>Click to edit Master text styles</a:t>
-            </a:r>
-          </a:p>
-          <a:p>
-            <a:pPr lvl="1"/>
-            <a:r>
-              <a:rPr lang="en-US" smtClean="0"/>
-              <a:t>Second level</a:t>
-            </a:r>
-          </a:p>
-          <a:p>
-            <a:pPr lvl="2"/>
-            <a:r>
-              <a:rPr lang="en-US" smtClean="0"/>
-              <a:t>Third level</a:t>
-            </a:r>
-          </a:p>
-          <a:p>
-            <a:pPr lvl="3"/>
-            <a:r>
-              <a:rPr lang="en-US" smtClean="0"/>
-              <a:t>Fourth level</a:t>
-            </a:r>
-          </a:p>
-          <a:p>
-            <a:pPr lvl="4"/>
-            <a:r>
-              <a:rPr lang="en-US" smtClean="0"/>
-              <a:t>Fifth level</a:t>
-            </a:r>
-            <a:endParaRPr lang="en-US"/>
-          </a:p>
-        </p:txBody>
-      </p:sp>
-      <p:sp>
-        <p:nvSpPr>
-          <p:cNvPr id="4" name="Date Placeholder 3"/>
-          <p:cNvSpPr>
-            <a:spLocks noGrp="1"/>
-          </p:cNvSpPr>
-          <p:nvPr>
-            <p:ph type="dt" sz="half" idx="10"/>
-          </p:nvPr>
-        </p:nvSpPr>
-        <p:spPr/>
-        <p:txBody>
-          <a:bodyPr/>
-          <a:lstStyle/>
+          <a:lstStyle>
+            <a:extLst/>
+          </a:lstStyle>
           <a:p>
             <a:fld id="{D57FE7D9-EEF6-4C52-9426-8CFAAA401C52}" type="datetimeFigureOut">
               <a:rPr lang="en-US" smtClean="0"/>
-              <a:t>10/27/2009</a:t>
+              <a:pPr/>
+              <a:t>10/28/2009</a:t>
             </a:fld>
             <a:endParaRPr lang="en-US"/>
           </a:p>
@@ -812,7 +995,9 @@
         <p:spPr/>
         <p:txBody>
           <a:bodyPr/>
-          <a:lstStyle/>
+          <a:lstStyle>
+            <a:extLst/>
+          </a:lstStyle>
           <a:p>
             <a:endParaRPr lang="en-US"/>
           </a:p>
@@ -831,10 +1016,13 @@
         <p:spPr/>
         <p:txBody>
           <a:bodyPr/>
-          <a:lstStyle/>
+          <a:lstStyle>
+            <a:extLst/>
+          </a:lstStyle>
           <a:p>
             <a:fld id="{348DBE1F-2912-458F-ADE3-82B5A8BED712}" type="slidenum">
               <a:rPr lang="en-US" smtClean="0"/>
+              <a:pPr/>
               <a:t>‹#›</a:t>
             </a:fld>
             <a:endParaRPr lang="en-US"/>
@@ -850,7 +1038,7 @@
 </file>
 
 <file path=ppt/slideLayouts/slideLayout3.xml><?xml version="1.0" encoding="utf-8"?>
-<p:sldLayout xmlns:a="http://schemas.openxmlformats.org/drawingml/2006/main" xmlns:r="http://schemas.openxmlformats.org/officeDocument/2006/relationships" xmlns:p="http://schemas.openxmlformats.org/presentationml/2006/main" type="secHead" preserve="1">
+<p:sldLayout xmlns:a="http://schemas.openxmlformats.org/drawingml/2006/main" xmlns:r="http://schemas.openxmlformats.org/officeDocument/2006/relationships" xmlns:p="http://schemas.openxmlformats.org/presentationml/2006/main" showMasterSp="0" type="secHead" preserve="1">
   <p:cSld name="Section Header">
     <p:spTree>
       <p:nvGrpSpPr>
@@ -868,33 +1056,198 @@
       </p:grpSpPr>
       <p:sp>
         <p:nvSpPr>
-          <p:cNvPr id="2" name="Title 1"/>
-          <p:cNvSpPr>
-            <a:spLocks noGrp="1"/>
-          </p:cNvSpPr>
-          <p:nvPr>
-            <p:ph type="title"/>
-          </p:nvPr>
+          <p:cNvPr id="14" name="Rounded Rectangle 13"/>
+          <p:cNvSpPr/>
+          <p:nvPr/>
         </p:nvSpPr>
         <p:spPr>
           <a:xfrm>
-            <a:off x="722313" y="4406900"/>
-            <a:ext cx="7772400" cy="1362075"/>
+            <a:off x="304800" y="329184"/>
+            <a:ext cx="8532055" cy="6196819"/>
+          </a:xfrm>
+          <a:prstGeom prst="roundRect">
+            <a:avLst>
+              <a:gd name="adj" fmla="val 2081"/>
+            </a:avLst>
+          </a:prstGeom>
+          <a:gradFill flip="none" rotWithShape="1">
+            <a:gsLst>
+              <a:gs pos="0">
+                <a:srgbClr val="FFFFFF">
+                  <a:shade val="100000"/>
+                </a:srgbClr>
+              </a:gs>
+              <a:gs pos="98000">
+                <a:srgbClr val="FFFFFF">
+                  <a:shade val="100000"/>
+                </a:srgbClr>
+              </a:gs>
+              <a:gs pos="99055">
+                <a:srgbClr val="FFFFFF">
+                  <a:shade val="93000"/>
+                </a:srgbClr>
+              </a:gs>
+              <a:gs pos="100000">
+                <a:srgbClr val="FFFFFF">
+                  <a:shade val="70000"/>
+                </a:srgbClr>
+              </a:gs>
+            </a:gsLst>
+            <a:lin ang="5400000" scaled="1"/>
+            <a:tileRect/>
+          </a:gradFill>
+          <a:ln w="2000" cap="rnd" cmpd="sng" algn="ctr">
+            <a:solidFill>
+              <a:srgbClr val="302F2C">
+                <a:tint val="65000"/>
+                <a:satMod val="120000"/>
+              </a:srgbClr>
+            </a:solidFill>
+            <a:prstDash val="solid"/>
+          </a:ln>
+          <a:effectLst>
+            <a:outerShdw blurRad="76200" dist="50800" dir="5400000" algn="tl" rotWithShape="0">
+              <a:srgbClr val="000000">
+                <a:alpha val="25000"/>
+              </a:srgbClr>
+            </a:outerShdw>
+          </a:effectLst>
+        </p:spPr>
+        <p:style>
+          <a:lnRef idx="3">
+            <a:schemeClr val="lt1"/>
+          </a:lnRef>
+          <a:fillRef idx="1">
+            <a:schemeClr val="accent1"/>
+          </a:fillRef>
+          <a:effectRef idx="1">
+            <a:schemeClr val="accent1"/>
+          </a:effectRef>
+          <a:fontRef idx="minor">
+            <a:schemeClr val="lt1"/>
+          </a:fontRef>
+        </p:style>
+        <p:txBody>
+          <a:bodyPr anchor="ctr"/>
+          <a:lstStyle>
+            <a:extLst/>
+          </a:lstStyle>
+          <a:p>
+            <a:pPr algn="ctr" eaLnBrk="1" latinLnBrk="0" hangingPunct="1"/>
+            <a:endParaRPr kumimoji="0" lang="en-US"/>
+          </a:p>
+        </p:txBody>
+      </p:sp>
+      <p:sp>
+        <p:nvSpPr>
+          <p:cNvPr id="11" name="Rounded Rectangle 10"/>
+          <p:cNvSpPr/>
+          <p:nvPr/>
+        </p:nvSpPr>
+        <p:spPr>
+          <a:xfrm>
+            <a:off x="418596" y="434162"/>
+            <a:ext cx="8306809" cy="4341329"/>
+          </a:xfrm>
+          <a:prstGeom prst="roundRect">
+            <a:avLst>
+              <a:gd name="adj" fmla="val 2127"/>
+            </a:avLst>
+          </a:prstGeom>
+          <a:gradFill rotWithShape="1">
+            <a:gsLst>
+              <a:gs pos="0">
+                <a:schemeClr val="bg1">
+                  <a:tint val="75000"/>
+                  <a:satMod val="150000"/>
+                </a:schemeClr>
+              </a:gs>
+              <a:gs pos="55000">
+                <a:schemeClr val="bg1">
+                  <a:shade val="75000"/>
+                  <a:satMod val="100000"/>
+                </a:schemeClr>
+              </a:gs>
+              <a:gs pos="100000">
+                <a:schemeClr val="bg1">
+                  <a:shade val="35000"/>
+                  <a:satMod val="100000"/>
+                </a:schemeClr>
+              </a:gs>
+            </a:gsLst>
+            <a:path path="circle">
+              <a:fillToRect l="50000" t="175000" r="50000" b="-75000"/>
+            </a:path>
+          </a:gradFill>
+          <a:ln w="8890" cap="rnd" cmpd="sng" algn="ctr">
+            <a:noFill/>
+            <a:prstDash val="solid"/>
+          </a:ln>
+          <a:effectLst/>
+        </p:spPr>
+        <p:style>
+          <a:lnRef idx="3">
+            <a:schemeClr val="lt1"/>
+          </a:lnRef>
+          <a:fillRef idx="1">
+            <a:schemeClr val="accent1"/>
+          </a:fillRef>
+          <a:effectRef idx="1">
+            <a:schemeClr val="accent1"/>
+          </a:effectRef>
+          <a:fontRef idx="minor">
+            <a:schemeClr val="lt1"/>
+          </a:fontRef>
+        </p:style>
+        <p:txBody>
+          <a:bodyPr anchor="ctr"/>
+          <a:lstStyle>
+            <a:extLst/>
+          </a:lstStyle>
+          <a:p>
+            <a:pPr algn="ctr" eaLnBrk="1" latinLnBrk="0" hangingPunct="1"/>
+            <a:endParaRPr kumimoji="0" lang="en-US"/>
+          </a:p>
+        </p:txBody>
+      </p:sp>
+      <p:sp>
+        <p:nvSpPr>
+          <p:cNvPr id="2" name="Title 1"/>
+          <p:cNvSpPr>
+            <a:spLocks noGrp="1"/>
+          </p:cNvSpPr>
+          <p:nvPr>
+            <p:ph type="title"/>
+          </p:nvPr>
+        </p:nvSpPr>
+        <p:spPr>
+          <a:xfrm>
+            <a:off x="468344" y="4928616"/>
+            <a:ext cx="8183880" cy="676656"/>
           </a:xfrm>
         </p:spPr>
         <p:txBody>
-          <a:bodyPr anchor="t"/>
+          <a:bodyPr lIns="91440" bIns="0" anchor="b"/>
           <a:lstStyle>
             <a:lvl1pPr algn="l">
-              <a:defRPr sz="4000" b="1" cap="all"/>
+              <a:buNone/>
+              <a:defRPr sz="3600" b="0" cap="none" baseline="0">
+                <a:solidFill>
+                  <a:schemeClr val="bg2">
+                    <a:shade val="25000"/>
+                  </a:schemeClr>
+                </a:solidFill>
+                <a:effectLst/>
+              </a:defRPr>
             </a:lvl1pPr>
-          </a:lstStyle>
-          <a:p>
-            <a:r>
-              <a:rPr lang="en-US" smtClean="0"/>
+            <a:extLst/>
+          </a:lstStyle>
+          <a:p>
+            <a:r>
+              <a:rPr kumimoji="0" lang="en-US" smtClean="0"/>
               <a:t>Click to edit Master title style</a:t>
             </a:r>
-            <a:endParaRPr lang="en-US"/>
+            <a:endParaRPr kumimoji="0" lang="en-US"/>
           </a:p>
         </p:txBody>
       </p:sp>
@@ -910,24 +1263,32 @@
         </p:nvSpPr>
         <p:spPr>
           <a:xfrm>
-            <a:off x="722313" y="2906713"/>
-            <a:ext cx="7772400" cy="1500187"/>
+            <a:off x="468344" y="5624484"/>
+            <a:ext cx="8183880" cy="420624"/>
           </a:xfrm>
         </p:spPr>
         <p:txBody>
-          <a:bodyPr anchor="b"/>
-          <a:lstStyle>
-            <a:lvl1pPr marL="0" indent="0">
+          <a:bodyPr lIns="118872" tIns="0" anchor="t"/>
+          <a:lstStyle>
+            <a:lvl1pPr marL="0" marR="36576" indent="0" algn="l">
+              <a:spcBef>
+                <a:spcPts val="0"/>
+              </a:spcBef>
+              <a:spcAft>
+                <a:spcPts val="0"/>
+              </a:spcAft>
               <a:buNone/>
-              <a:defRPr sz="2000">
+              <a:defRPr sz="1800" b="0">
                 <a:solidFill>
-                  <a:schemeClr val="tx1">
-                    <a:tint val="75000"/>
+                  <a:schemeClr val="accent1">
+                    <a:shade val="50000"/>
+                    <a:satMod val="110000"/>
                   </a:schemeClr>
                 </a:solidFill>
+                <a:effectLst/>
               </a:defRPr>
             </a:lvl1pPr>
-            <a:lvl2pPr marL="457200" indent="0">
+            <a:lvl2pPr>
               <a:buNone/>
               <a:defRPr sz="1800">
                 <a:solidFill>
@@ -937,7 +1298,7 @@
                 </a:solidFill>
               </a:defRPr>
             </a:lvl2pPr>
-            <a:lvl3pPr marL="914400" indent="0">
+            <a:lvl3pPr>
               <a:buNone/>
               <a:defRPr sz="1600">
                 <a:solidFill>
@@ -947,7 +1308,7 @@
                 </a:solidFill>
               </a:defRPr>
             </a:lvl3pPr>
-            <a:lvl4pPr marL="1371600" indent="0">
+            <a:lvl4pPr>
               <a:buNone/>
               <a:defRPr sz="1400">
                 <a:solidFill>
@@ -957,7 +1318,7 @@
                 </a:solidFill>
               </a:defRPr>
             </a:lvl4pPr>
-            <a:lvl5pPr marL="1828800" indent="0">
+            <a:lvl5pPr>
               <a:buNone/>
               <a:defRPr sz="1400">
                 <a:solidFill>
@@ -967,51 +1328,12 @@
                 </a:solidFill>
               </a:defRPr>
             </a:lvl5pPr>
-            <a:lvl6pPr marL="2286000" indent="0">
-              <a:buNone/>
-              <a:defRPr sz="1400">
-                <a:solidFill>
-                  <a:schemeClr val="tx1">
-                    <a:tint val="75000"/>
-                  </a:schemeClr>
-                </a:solidFill>
-              </a:defRPr>
-            </a:lvl6pPr>
-            <a:lvl7pPr marL="2743200" indent="0">
-              <a:buNone/>
-              <a:defRPr sz="1400">
-                <a:solidFill>
-                  <a:schemeClr val="tx1">
-                    <a:tint val="75000"/>
-                  </a:schemeClr>
-                </a:solidFill>
-              </a:defRPr>
-            </a:lvl7pPr>
-            <a:lvl8pPr marL="3200400" indent="0">
-              <a:buNone/>
-              <a:defRPr sz="1400">
-                <a:solidFill>
-                  <a:schemeClr val="tx1">
-                    <a:tint val="75000"/>
-                  </a:schemeClr>
-                </a:solidFill>
-              </a:defRPr>
-            </a:lvl8pPr>
-            <a:lvl9pPr marL="3657600" indent="0">
-              <a:buNone/>
-              <a:defRPr sz="1400">
-                <a:solidFill>
-                  <a:schemeClr val="tx1">
-                    <a:tint val="75000"/>
-                  </a:schemeClr>
-                </a:solidFill>
-              </a:defRPr>
-            </a:lvl9pPr>
-          </a:lstStyle>
-          <a:p>
-            <a:pPr lvl="0"/>
-            <a:r>
-              <a:rPr lang="en-US" smtClean="0"/>
+            <a:extLst/>
+          </a:lstStyle>
+          <a:p>
+            <a:pPr lvl="0" eaLnBrk="1" latinLnBrk="0" hangingPunct="1"/>
+            <a:r>
+              <a:rPr kumimoji="0" lang="en-US" smtClean="0"/>
               <a:t>Click to edit Master text styles</a:t>
             </a:r>
           </a:p>
@@ -1030,11 +1352,14 @@
         <p:spPr/>
         <p:txBody>
           <a:bodyPr/>
-          <a:lstStyle/>
+          <a:lstStyle>
+            <a:extLst/>
+          </a:lstStyle>
           <a:p>
             <a:fld id="{D57FE7D9-EEF6-4C52-9426-8CFAAA401C52}" type="datetimeFigureOut">
               <a:rPr lang="en-US" smtClean="0"/>
-              <a:t>10/27/2009</a:t>
+              <a:pPr/>
+              <a:t>10/28/2009</a:t>
             </a:fld>
             <a:endParaRPr lang="en-US"/>
           </a:p>
@@ -1053,7 +1378,9 @@
         <p:spPr/>
         <p:txBody>
           <a:bodyPr/>
-          <a:lstStyle/>
+          <a:lstStyle>
+            <a:extLst/>
+          </a:lstStyle>
           <a:p>
             <a:endParaRPr lang="en-US"/>
           </a:p>
@@ -1072,10 +1399,13 @@
         <p:spPr/>
         <p:txBody>
           <a:bodyPr/>
-          <a:lstStyle/>
+          <a:lstStyle>
+            <a:extLst/>
+          </a:lstStyle>
           <a:p>
             <a:fld id="{348DBE1F-2912-458F-ADE3-82B5A8BED712}" type="slidenum">
               <a:rPr lang="en-US" smtClean="0"/>
+              <a:pPr/>
               <a:t>‹#›</a:t>
             </a:fld>
             <a:endParaRPr lang="en-US"/>
@@ -1120,13 +1450,15 @@
         <p:spPr/>
         <p:txBody>
           <a:bodyPr/>
-          <a:lstStyle/>
-          <a:p>
-            <a:r>
-              <a:rPr lang="en-US" smtClean="0"/>
+          <a:lstStyle>
+            <a:extLst/>
+          </a:lstStyle>
+          <a:p>
+            <a:r>
+              <a:rPr kumimoji="0" lang="en-US" smtClean="0"/>
               <a:t>Click to edit Master title style</a:t>
             </a:r>
-            <a:endParaRPr lang="en-US"/>
+            <a:endParaRPr kumimoji="0" lang="en-US"/>
           </a:p>
         </p:txBody>
       </p:sp>
@@ -1142,18 +1474,18 @@
         </p:nvSpPr>
         <p:spPr>
           <a:xfrm>
-            <a:off x="457200" y="1600200"/>
-            <a:ext cx="4038600" cy="4525963"/>
+            <a:off x="514352" y="530352"/>
+            <a:ext cx="3931920" cy="4389120"/>
           </a:xfrm>
         </p:spPr>
         <p:txBody>
           <a:bodyPr/>
           <a:lstStyle>
             <a:lvl1pPr>
-              <a:defRPr sz="2800"/>
+              <a:defRPr sz="2600"/>
             </a:lvl1pPr>
             <a:lvl2pPr>
-              <a:defRPr sz="2400"/>
+              <a:defRPr sz="2200"/>
             </a:lvl2pPr>
             <a:lvl3pPr>
               <a:defRPr sz="2000"/>
@@ -1164,54 +1496,43 @@
             <a:lvl5pPr>
               <a:defRPr sz="1800"/>
             </a:lvl5pPr>
-            <a:lvl6pPr>
-              <a:defRPr sz="1800"/>
-            </a:lvl6pPr>
-            <a:lvl7pPr>
-              <a:defRPr sz="1800"/>
-            </a:lvl7pPr>
-            <a:lvl8pPr>
-              <a:defRPr sz="1800"/>
-            </a:lvl8pPr>
-            <a:lvl9pPr>
-              <a:defRPr sz="1800"/>
-            </a:lvl9pPr>
-          </a:lstStyle>
-          <a:p>
-            <a:pPr lvl="0"/>
+            <a:extLst/>
+          </a:lstStyle>
+          <a:p>
+            <a:pPr lvl="0" eaLnBrk="1" latinLnBrk="0" hangingPunct="1"/>
             <a:r>
               <a:rPr lang="en-US" smtClean="0"/>
               <a:t>Click to edit Master text styles</a:t>
             </a:r>
           </a:p>
           <a:p>
-            <a:pPr lvl="1"/>
+            <a:pPr lvl="1" eaLnBrk="1" latinLnBrk="0" hangingPunct="1"/>
             <a:r>
               <a:rPr lang="en-US" smtClean="0"/>
               <a:t>Second level</a:t>
             </a:r>
           </a:p>
           <a:p>
-            <a:pPr lvl="2"/>
+            <a:pPr lvl="2" eaLnBrk="1" latinLnBrk="0" hangingPunct="1"/>
             <a:r>
               <a:rPr lang="en-US" smtClean="0"/>
               <a:t>Third level</a:t>
             </a:r>
           </a:p>
           <a:p>
-            <a:pPr lvl="3"/>
+            <a:pPr lvl="3" eaLnBrk="1" latinLnBrk="0" hangingPunct="1"/>
             <a:r>
               <a:rPr lang="en-US" smtClean="0"/>
               <a:t>Fourth level</a:t>
             </a:r>
           </a:p>
           <a:p>
-            <a:pPr lvl="4"/>
+            <a:pPr lvl="4" eaLnBrk="1" latinLnBrk="0" hangingPunct="1"/>
             <a:r>
               <a:rPr lang="en-US" smtClean="0"/>
               <a:t>Fifth level</a:t>
             </a:r>
-            <a:endParaRPr lang="en-US"/>
+            <a:endParaRPr kumimoji="0" lang="en-US"/>
           </a:p>
         </p:txBody>
       </p:sp>
@@ -1227,18 +1548,18 @@
         </p:nvSpPr>
         <p:spPr>
           <a:xfrm>
-            <a:off x="4648200" y="1600200"/>
-            <a:ext cx="4038600" cy="4525963"/>
+            <a:off x="4755360" y="530352"/>
+            <a:ext cx="3931920" cy="4389120"/>
           </a:xfrm>
         </p:spPr>
         <p:txBody>
           <a:bodyPr/>
           <a:lstStyle>
             <a:lvl1pPr>
-              <a:defRPr sz="2800"/>
+              <a:defRPr sz="2600"/>
             </a:lvl1pPr>
             <a:lvl2pPr>
-              <a:defRPr sz="2400"/>
+              <a:defRPr sz="2200"/>
             </a:lvl2pPr>
             <a:lvl3pPr>
               <a:defRPr sz="2000"/>
@@ -1249,54 +1570,43 @@
             <a:lvl5pPr>
               <a:defRPr sz="1800"/>
             </a:lvl5pPr>
-            <a:lvl6pPr>
-              <a:defRPr sz="1800"/>
-            </a:lvl6pPr>
-            <a:lvl7pPr>
-              <a:defRPr sz="1800"/>
-            </a:lvl7pPr>
-            <a:lvl8pPr>
-              <a:defRPr sz="1800"/>
-            </a:lvl8pPr>
-            <a:lvl9pPr>
-              <a:defRPr sz="1800"/>
-            </a:lvl9pPr>
-          </a:lstStyle>
-          <a:p>
-            <a:pPr lvl="0"/>
+            <a:extLst/>
+          </a:lstStyle>
+          <a:p>
+            <a:pPr lvl="0" eaLnBrk="1" latinLnBrk="0" hangingPunct="1"/>
             <a:r>
               <a:rPr lang="en-US" smtClean="0"/>
               <a:t>Click to edit Master text styles</a:t>
             </a:r>
           </a:p>
           <a:p>
-            <a:pPr lvl="1"/>
+            <a:pPr lvl="1" eaLnBrk="1" latinLnBrk="0" hangingPunct="1"/>
             <a:r>
               <a:rPr lang="en-US" smtClean="0"/>
               <a:t>Second level</a:t>
             </a:r>
           </a:p>
           <a:p>
-            <a:pPr lvl="2"/>
+            <a:pPr lvl="2" eaLnBrk="1" latinLnBrk="0" hangingPunct="1"/>
             <a:r>
               <a:rPr lang="en-US" smtClean="0"/>
               <a:t>Third level</a:t>
             </a:r>
           </a:p>
           <a:p>
-            <a:pPr lvl="3"/>
+            <a:pPr lvl="3" eaLnBrk="1" latinLnBrk="0" hangingPunct="1"/>
             <a:r>
               <a:rPr lang="en-US" smtClean="0"/>
               <a:t>Fourth level</a:t>
             </a:r>
           </a:p>
           <a:p>
-            <a:pPr lvl="4"/>
+            <a:pPr lvl="4" eaLnBrk="1" latinLnBrk="0" hangingPunct="1"/>
             <a:r>
               <a:rPr lang="en-US" smtClean="0"/>
               <a:t>Fifth level</a:t>
             </a:r>
-            <a:endParaRPr lang="en-US"/>
+            <a:endParaRPr kumimoji="0" lang="en-US"/>
           </a:p>
         </p:txBody>
       </p:sp>
@@ -1313,11 +1623,14 @@
         <p:spPr/>
         <p:txBody>
           <a:bodyPr/>
-          <a:lstStyle/>
+          <a:lstStyle>
+            <a:extLst/>
+          </a:lstStyle>
           <a:p>
             <a:fld id="{D57FE7D9-EEF6-4C52-9426-8CFAAA401C52}" type="datetimeFigureOut">
               <a:rPr lang="en-US" smtClean="0"/>
-              <a:t>10/27/2009</a:t>
+              <a:pPr/>
+              <a:t>10/28/2009</a:t>
             </a:fld>
             <a:endParaRPr lang="en-US"/>
           </a:p>
@@ -1336,7 +1649,9 @@
         <p:spPr/>
         <p:txBody>
           <a:bodyPr/>
-          <a:lstStyle/>
+          <a:lstStyle>
+            <a:extLst/>
+          </a:lstStyle>
           <a:p>
             <a:endParaRPr lang="en-US"/>
           </a:p>
@@ -1355,10 +1670,13 @@
         <p:spPr/>
         <p:txBody>
           <a:bodyPr/>
-          <a:lstStyle/>
+          <a:lstStyle>
+            <a:extLst/>
+          </a:lstStyle>
           <a:p>
             <a:fld id="{348DBE1F-2912-458F-ADE3-82B5A8BED712}" type="slidenum">
               <a:rPr lang="en-US" smtClean="0"/>
+              <a:pPr/>
               <a:t>‹#›</a:t>
             </a:fld>
             <a:endParaRPr lang="en-US"/>
@@ -1400,83 +1718,78 @@
             <p:ph type="title"/>
           </p:nvPr>
         </p:nvSpPr>
-        <p:spPr/>
-        <p:txBody>
-          <a:bodyPr/>
-          <a:lstStyle>
-            <a:lvl1pPr>
-              <a:defRPr/>
-            </a:lvl1pPr>
-          </a:lstStyle>
-          <a:p>
-            <a:r>
-              <a:rPr lang="en-US" smtClean="0"/>
-              <a:t>Click to edit Master title style</a:t>
-            </a:r>
-            <a:endParaRPr lang="en-US"/>
-          </a:p>
-        </p:txBody>
-      </p:sp>
-      <p:sp>
-        <p:nvSpPr>
-          <p:cNvPr id="3" name="Text Placeholder 2"/>
-          <p:cNvSpPr>
-            <a:spLocks noGrp="1"/>
-          </p:cNvSpPr>
-          <p:nvPr>
-            <p:ph type="body" idx="1"/>
-          </p:nvPr>
-        </p:nvSpPr>
         <p:spPr>
           <a:xfrm>
-            <a:off x="457200" y="1535113"/>
-            <a:ext cx="4040188" cy="639762"/>
+            <a:off x="502920" y="4983480"/>
+            <a:ext cx="8183880" cy="1051560"/>
           </a:xfrm>
         </p:spPr>
         <p:txBody>
           <a:bodyPr anchor="b"/>
           <a:lstStyle>
-            <a:lvl1pPr marL="0" indent="0">
+            <a:lvl1pPr>
+              <a:defRPr b="1"/>
+            </a:lvl1pPr>
+            <a:extLst/>
+          </a:lstStyle>
+          <a:p>
+            <a:r>
+              <a:rPr kumimoji="0" lang="en-US" smtClean="0"/>
+              <a:t>Click to edit Master title style</a:t>
+            </a:r>
+            <a:endParaRPr kumimoji="0" lang="en-US"/>
+          </a:p>
+        </p:txBody>
+      </p:sp>
+      <p:sp>
+        <p:nvSpPr>
+          <p:cNvPr id="3" name="Text Placeholder 2"/>
+          <p:cNvSpPr>
+            <a:spLocks noGrp="1"/>
+          </p:cNvSpPr>
+          <p:nvPr>
+            <p:ph type="body" idx="1"/>
+          </p:nvPr>
+        </p:nvSpPr>
+        <p:spPr>
+          <a:xfrm>
+            <a:off x="607224" y="579438"/>
+            <a:ext cx="3931920" cy="792162"/>
+          </a:xfrm>
+        </p:spPr>
+        <p:txBody>
+          <a:bodyPr lIns="146304" anchor="ctr"/>
+          <a:lstStyle>
+            <a:lvl1pPr marL="0" indent="0" algn="l">
               <a:buNone/>
-              <a:defRPr sz="2400" b="1"/>
+              <a:defRPr sz="2400" b="1">
+                <a:solidFill>
+                  <a:schemeClr val="tx1"/>
+                </a:solidFill>
+              </a:defRPr>
             </a:lvl1pPr>
-            <a:lvl2pPr marL="457200" indent="0">
+            <a:lvl2pPr>
               <a:buNone/>
               <a:defRPr sz="2000" b="1"/>
             </a:lvl2pPr>
-            <a:lvl3pPr marL="914400" indent="0">
+            <a:lvl3pPr>
               <a:buNone/>
               <a:defRPr sz="1800" b="1"/>
             </a:lvl3pPr>
-            <a:lvl4pPr marL="1371600" indent="0">
+            <a:lvl4pPr>
               <a:buNone/>
               <a:defRPr sz="1600" b="1"/>
             </a:lvl4pPr>
-            <a:lvl5pPr marL="1828800" indent="0">
+            <a:lvl5pPr>
               <a:buNone/>
               <a:defRPr sz="1600" b="1"/>
             </a:lvl5pPr>
-            <a:lvl6pPr marL="2286000" indent="0">
-              <a:buNone/>
-              <a:defRPr sz="1600" b="1"/>
-            </a:lvl6pPr>
-            <a:lvl7pPr marL="2743200" indent="0">
-              <a:buNone/>
-              <a:defRPr sz="1600" b="1"/>
-            </a:lvl7pPr>
-            <a:lvl8pPr marL="3200400" indent="0">
-              <a:buNone/>
-              <a:defRPr sz="1600" b="1"/>
-            </a:lvl8pPr>
-            <a:lvl9pPr marL="3657600" indent="0">
-              <a:buNone/>
-              <a:defRPr sz="1600" b="1"/>
-            </a:lvl9pPr>
-          </a:lstStyle>
-          <a:p>
-            <a:pPr lvl="0"/>
-            <a:r>
-              <a:rPr lang="en-US" smtClean="0"/>
+            <a:extLst/>
+          </a:lstStyle>
+          <a:p>
+            <a:pPr lvl="0" eaLnBrk="1" latinLnBrk="0" hangingPunct="1"/>
+            <a:r>
+              <a:rPr kumimoji="0" lang="en-US" smtClean="0"/>
               <a:t>Click to edit Master text styles</a:t>
             </a:r>
           </a:p>
@@ -1484,149 +1797,53 @@
       </p:sp>
       <p:sp>
         <p:nvSpPr>
-          <p:cNvPr id="4" name="Content Placeholder 3"/>
-          <p:cNvSpPr>
-            <a:spLocks noGrp="1"/>
-          </p:cNvSpPr>
-          <p:nvPr>
-            <p:ph sz="half" idx="2"/>
+          <p:cNvPr id="4" name="Text Placeholder 3"/>
+          <p:cNvSpPr>
+            <a:spLocks noGrp="1"/>
+          </p:cNvSpPr>
+          <p:nvPr>
+            <p:ph type="body" sz="half" idx="3"/>
           </p:nvPr>
         </p:nvSpPr>
         <p:spPr>
           <a:xfrm>
-            <a:off x="457200" y="2174875"/>
-            <a:ext cx="4040188" cy="3951288"/>
+            <a:off x="4652169" y="579438"/>
+            <a:ext cx="3931920" cy="792162"/>
           </a:xfrm>
         </p:spPr>
         <p:txBody>
-          <a:bodyPr/>
-          <a:lstStyle>
-            <a:lvl1pPr>
-              <a:defRPr sz="2400"/>
+          <a:bodyPr lIns="137160" anchor="ctr"/>
+          <a:lstStyle>
+            <a:lvl1pPr marL="0" indent="0" algn="l">
+              <a:buNone/>
+              <a:defRPr sz="2400" b="1">
+                <a:solidFill>
+                  <a:schemeClr val="tx1"/>
+                </a:solidFill>
+              </a:defRPr>
             </a:lvl1pPr>
             <a:lvl2pPr>
-              <a:defRPr sz="2000"/>
-            </a:lvl2pPr>
-            <a:lvl3pPr>
-              <a:defRPr sz="1800"/>
-            </a:lvl3pPr>
-            <a:lvl4pPr>
-              <a:defRPr sz="1600"/>
-            </a:lvl4pPr>
-            <a:lvl5pPr>
-              <a:defRPr sz="1600"/>
-            </a:lvl5pPr>
-            <a:lvl6pPr>
-              <a:defRPr sz="1600"/>
-            </a:lvl6pPr>
-            <a:lvl7pPr>
-              <a:defRPr sz="1600"/>
-            </a:lvl7pPr>
-            <a:lvl8pPr>
-              <a:defRPr sz="1600"/>
-            </a:lvl8pPr>
-            <a:lvl9pPr>
-              <a:defRPr sz="1600"/>
-            </a:lvl9pPr>
-          </a:lstStyle>
-          <a:p>
-            <a:pPr lvl="0"/>
-            <a:r>
-              <a:rPr lang="en-US" smtClean="0"/>
-              <a:t>Click to edit Master text styles</a:t>
-            </a:r>
-          </a:p>
-          <a:p>
-            <a:pPr lvl="1"/>
-            <a:r>
-              <a:rPr lang="en-US" smtClean="0"/>
-              <a:t>Second level</a:t>
-            </a:r>
-          </a:p>
-          <a:p>
-            <a:pPr lvl="2"/>
-            <a:r>
-              <a:rPr lang="en-US" smtClean="0"/>
-              <a:t>Third level</a:t>
-            </a:r>
-          </a:p>
-          <a:p>
-            <a:pPr lvl="3"/>
-            <a:r>
-              <a:rPr lang="en-US" smtClean="0"/>
-              <a:t>Fourth level</a:t>
-            </a:r>
-          </a:p>
-          <a:p>
-            <a:pPr lvl="4"/>
-            <a:r>
-              <a:rPr lang="en-US" smtClean="0"/>
-              <a:t>Fifth level</a:t>
-            </a:r>
-            <a:endParaRPr lang="en-US"/>
-          </a:p>
-        </p:txBody>
-      </p:sp>
-      <p:sp>
-        <p:nvSpPr>
-          <p:cNvPr id="5" name="Text Placeholder 4"/>
-          <p:cNvSpPr>
-            <a:spLocks noGrp="1"/>
-          </p:cNvSpPr>
-          <p:nvPr>
-            <p:ph type="body" sz="quarter" idx="3"/>
-          </p:nvPr>
-        </p:nvSpPr>
-        <p:spPr>
-          <a:xfrm>
-            <a:off x="4645025" y="1535113"/>
-            <a:ext cx="4041775" cy="639762"/>
-          </a:xfrm>
-        </p:spPr>
-        <p:txBody>
-          <a:bodyPr anchor="b"/>
-          <a:lstStyle>
-            <a:lvl1pPr marL="0" indent="0">
-              <a:buNone/>
-              <a:defRPr sz="2400" b="1"/>
-            </a:lvl1pPr>
-            <a:lvl2pPr marL="457200" indent="0">
               <a:buNone/>
               <a:defRPr sz="2000" b="1"/>
             </a:lvl2pPr>
-            <a:lvl3pPr marL="914400" indent="0">
+            <a:lvl3pPr>
               <a:buNone/>
               <a:defRPr sz="1800" b="1"/>
             </a:lvl3pPr>
-            <a:lvl4pPr marL="1371600" indent="0">
+            <a:lvl4pPr>
               <a:buNone/>
               <a:defRPr sz="1600" b="1"/>
             </a:lvl4pPr>
-            <a:lvl5pPr marL="1828800" indent="0">
+            <a:lvl5pPr>
               <a:buNone/>
               <a:defRPr sz="1600" b="1"/>
             </a:lvl5pPr>
-            <a:lvl6pPr marL="2286000" indent="0">
-              <a:buNone/>
-              <a:defRPr sz="1600" b="1"/>
-            </a:lvl6pPr>
-            <a:lvl7pPr marL="2743200" indent="0">
-              <a:buNone/>
-              <a:defRPr sz="1600" b="1"/>
-            </a:lvl7pPr>
-            <a:lvl8pPr marL="3200400" indent="0">
-              <a:buNone/>
-              <a:defRPr sz="1600" b="1"/>
-            </a:lvl8pPr>
-            <a:lvl9pPr marL="3657600" indent="0">
-              <a:buNone/>
-              <a:defRPr sz="1600" b="1"/>
-            </a:lvl9pPr>
-          </a:lstStyle>
-          <a:p>
-            <a:pPr lvl="0"/>
-            <a:r>
-              <a:rPr lang="en-US" smtClean="0"/>
+            <a:extLst/>
+          </a:lstStyle>
+          <a:p>
+            <a:pPr lvl="0" eaLnBrk="1" latinLnBrk="0" hangingPunct="1"/>
+            <a:r>
+              <a:rPr kumimoji="0" lang="en-US" smtClean="0"/>
               <a:t>Click to edit Master text styles</a:t>
             </a:r>
           </a:p>
@@ -1634,86 +1851,149 @@
       </p:sp>
       <p:sp>
         <p:nvSpPr>
-          <p:cNvPr id="6" name="Content Placeholder 5"/>
-          <p:cNvSpPr>
-            <a:spLocks noGrp="1"/>
-          </p:cNvSpPr>
-          <p:nvPr>
-            <p:ph sz="quarter" idx="4"/>
+          <p:cNvPr id="5" name="Content Placeholder 4"/>
+          <p:cNvSpPr>
+            <a:spLocks noGrp="1"/>
+          </p:cNvSpPr>
+          <p:nvPr>
+            <p:ph sz="quarter" idx="2"/>
           </p:nvPr>
         </p:nvSpPr>
         <p:spPr>
           <a:xfrm>
-            <a:off x="4645025" y="2174875"/>
-            <a:ext cx="4041775" cy="3951288"/>
+            <a:off x="607224" y="1447800"/>
+            <a:ext cx="3931920" cy="3489960"/>
           </a:xfrm>
         </p:spPr>
         <p:txBody>
-          <a:bodyPr/>
-          <a:lstStyle>
-            <a:lvl1pPr>
+          <a:bodyPr anchor="t"/>
+          <a:lstStyle>
+            <a:lvl1pPr algn="l">
               <a:defRPr sz="2400"/>
             </a:lvl1pPr>
-            <a:lvl2pPr>
+            <a:lvl2pPr algn="l">
               <a:defRPr sz="2000"/>
             </a:lvl2pPr>
-            <a:lvl3pPr>
+            <a:lvl3pPr algn="l">
               <a:defRPr sz="1800"/>
             </a:lvl3pPr>
-            <a:lvl4pPr>
+            <a:lvl4pPr algn="l">
               <a:defRPr sz="1600"/>
             </a:lvl4pPr>
-            <a:lvl5pPr>
+            <a:lvl5pPr algn="l">
               <a:defRPr sz="1600"/>
             </a:lvl5pPr>
-            <a:lvl6pPr>
+            <a:extLst/>
+          </a:lstStyle>
+          <a:p>
+            <a:pPr lvl="0" eaLnBrk="1" latinLnBrk="0" hangingPunct="1"/>
+            <a:r>
+              <a:rPr lang="en-US" smtClean="0"/>
+              <a:t>Click to edit Master text styles</a:t>
+            </a:r>
+          </a:p>
+          <a:p>
+            <a:pPr lvl="1" eaLnBrk="1" latinLnBrk="0" hangingPunct="1"/>
+            <a:r>
+              <a:rPr lang="en-US" smtClean="0"/>
+              <a:t>Second level</a:t>
+            </a:r>
+          </a:p>
+          <a:p>
+            <a:pPr lvl="2" eaLnBrk="1" latinLnBrk="0" hangingPunct="1"/>
+            <a:r>
+              <a:rPr lang="en-US" smtClean="0"/>
+              <a:t>Third level</a:t>
+            </a:r>
+          </a:p>
+          <a:p>
+            <a:pPr lvl="3" eaLnBrk="1" latinLnBrk="0" hangingPunct="1"/>
+            <a:r>
+              <a:rPr lang="en-US" smtClean="0"/>
+              <a:t>Fourth level</a:t>
+            </a:r>
+          </a:p>
+          <a:p>
+            <a:pPr lvl="4" eaLnBrk="1" latinLnBrk="0" hangingPunct="1"/>
+            <a:r>
+              <a:rPr lang="en-US" smtClean="0"/>
+              <a:t>Fifth level</a:t>
+            </a:r>
+            <a:endParaRPr kumimoji="0" lang="en-US"/>
+          </a:p>
+        </p:txBody>
+      </p:sp>
+      <p:sp>
+        <p:nvSpPr>
+          <p:cNvPr id="6" name="Content Placeholder 5"/>
+          <p:cNvSpPr>
+            <a:spLocks noGrp="1"/>
+          </p:cNvSpPr>
+          <p:nvPr>
+            <p:ph sz="quarter" idx="4"/>
+          </p:nvPr>
+        </p:nvSpPr>
+        <p:spPr>
+          <a:xfrm>
+            <a:off x="4652169" y="1447800"/>
+            <a:ext cx="3931920" cy="3489960"/>
+          </a:xfrm>
+        </p:spPr>
+        <p:txBody>
+          <a:bodyPr anchor="t"/>
+          <a:lstStyle>
+            <a:lvl1pPr algn="l">
+              <a:defRPr sz="2400"/>
+            </a:lvl1pPr>
+            <a:lvl2pPr algn="l">
+              <a:defRPr sz="2000"/>
+            </a:lvl2pPr>
+            <a:lvl3pPr algn="l">
+              <a:defRPr sz="1800"/>
+            </a:lvl3pPr>
+            <a:lvl4pPr algn="l">
               <a:defRPr sz="1600"/>
-            </a:lvl6pPr>
-            <a:lvl7pPr>
+            </a:lvl4pPr>
+            <a:lvl5pPr algn="l">
               <a:defRPr sz="1600"/>
-            </a:lvl7pPr>
-            <a:lvl8pPr>
-              <a:defRPr sz="1600"/>
-            </a:lvl8pPr>
-            <a:lvl9pPr>
-              <a:defRPr sz="1600"/>
-            </a:lvl9pPr>
-          </a:lstStyle>
-          <a:p>
-            <a:pPr lvl="0"/>
+            </a:lvl5pPr>
+            <a:extLst/>
+          </a:lstStyle>
+          <a:p>
+            <a:pPr lvl="0" eaLnBrk="1" latinLnBrk="0" hangingPunct="1"/>
             <a:r>
               <a:rPr lang="en-US" smtClean="0"/>
               <a:t>Click to edit Master text styles</a:t>
             </a:r>
           </a:p>
           <a:p>
-            <a:pPr lvl="1"/>
+            <a:pPr lvl="1" eaLnBrk="1" latinLnBrk="0" hangingPunct="1"/>
             <a:r>
               <a:rPr lang="en-US" smtClean="0"/>
               <a:t>Second level</a:t>
             </a:r>
           </a:p>
           <a:p>
-            <a:pPr lvl="2"/>
+            <a:pPr lvl="2" eaLnBrk="1" latinLnBrk="0" hangingPunct="1"/>
             <a:r>
               <a:rPr lang="en-US" smtClean="0"/>
               <a:t>Third level</a:t>
             </a:r>
           </a:p>
           <a:p>
-            <a:pPr lvl="3"/>
+            <a:pPr lvl="3" eaLnBrk="1" latinLnBrk="0" hangingPunct="1"/>
             <a:r>
               <a:rPr lang="en-US" smtClean="0"/>
               <a:t>Fourth level</a:t>
             </a:r>
           </a:p>
           <a:p>
-            <a:pPr lvl="4"/>
+            <a:pPr lvl="4" eaLnBrk="1" latinLnBrk="0" hangingPunct="1"/>
             <a:r>
               <a:rPr lang="en-US" smtClean="0"/>
               <a:t>Fifth level</a:t>
             </a:r>
-            <a:endParaRPr lang="en-US"/>
+            <a:endParaRPr kumimoji="0" lang="en-US"/>
           </a:p>
         </p:txBody>
       </p:sp>
@@ -1730,11 +2010,14 @@
         <p:spPr/>
         <p:txBody>
           <a:bodyPr/>
-          <a:lstStyle/>
+          <a:lstStyle>
+            <a:extLst/>
+          </a:lstStyle>
           <a:p>
             <a:fld id="{D57FE7D9-EEF6-4C52-9426-8CFAAA401C52}" type="datetimeFigureOut">
               <a:rPr lang="en-US" smtClean="0"/>
-              <a:t>10/27/2009</a:t>
+              <a:pPr/>
+              <a:t>10/28/2009</a:t>
             </a:fld>
             <a:endParaRPr lang="en-US"/>
           </a:p>
@@ -1753,7 +2036,9 @@
         <p:spPr/>
         <p:txBody>
           <a:bodyPr/>
-          <a:lstStyle/>
+          <a:lstStyle>
+            <a:extLst/>
+          </a:lstStyle>
           <a:p>
             <a:endParaRPr lang="en-US"/>
           </a:p>
@@ -1772,10 +2057,13 @@
         <p:spPr/>
         <p:txBody>
           <a:bodyPr/>
-          <a:lstStyle/>
+          <a:lstStyle>
+            <a:extLst/>
+          </a:lstStyle>
           <a:p>
             <a:fld id="{348DBE1F-2912-458F-ADE3-82B5A8BED712}" type="slidenum">
               <a:rPr lang="en-US" smtClean="0"/>
+              <a:pPr/>
               <a:t>‹#›</a:t>
             </a:fld>
             <a:endParaRPr lang="en-US"/>
@@ -1820,13 +2108,15 @@
         <p:spPr/>
         <p:txBody>
           <a:bodyPr/>
-          <a:lstStyle/>
-          <a:p>
-            <a:r>
-              <a:rPr lang="en-US" smtClean="0"/>
+          <a:lstStyle>
+            <a:extLst/>
+          </a:lstStyle>
+          <a:p>
+            <a:r>
+              <a:rPr kumimoji="0" lang="en-US" smtClean="0"/>
               <a:t>Click to edit Master title style</a:t>
             </a:r>
-            <a:endParaRPr lang="en-US"/>
+            <a:endParaRPr kumimoji="0" lang="en-US"/>
           </a:p>
         </p:txBody>
       </p:sp>
@@ -1843,11 +2133,14 @@
         <p:spPr/>
         <p:txBody>
           <a:bodyPr/>
-          <a:lstStyle/>
+          <a:lstStyle>
+            <a:extLst/>
+          </a:lstStyle>
           <a:p>
             <a:fld id="{D57FE7D9-EEF6-4C52-9426-8CFAAA401C52}" type="datetimeFigureOut">
               <a:rPr lang="en-US" smtClean="0"/>
-              <a:t>10/27/2009</a:t>
+              <a:pPr/>
+              <a:t>10/28/2009</a:t>
             </a:fld>
             <a:endParaRPr lang="en-US"/>
           </a:p>
@@ -1866,7 +2159,9 @@
         <p:spPr/>
         <p:txBody>
           <a:bodyPr/>
-          <a:lstStyle/>
+          <a:lstStyle>
+            <a:extLst/>
+          </a:lstStyle>
           <a:p>
             <a:endParaRPr lang="en-US"/>
           </a:p>
@@ -1885,10 +2180,13 @@
         <p:spPr/>
         <p:txBody>
           <a:bodyPr/>
-          <a:lstStyle/>
+          <a:lstStyle>
+            <a:extLst/>
+          </a:lstStyle>
           <a:p>
             <a:fld id="{348DBE1F-2912-458F-ADE3-82B5A8BED712}" type="slidenum">
               <a:rPr lang="en-US" smtClean="0"/>
+              <a:pPr/>
               <a:t>‹#›</a:t>
             </a:fld>
             <a:endParaRPr lang="en-US"/>
@@ -1904,7 +2202,7 @@
 </file>
 
 <file path=ppt/slideLayouts/slideLayout7.xml><?xml version="1.0" encoding="utf-8"?>
-<p:sldLayout xmlns:a="http://schemas.openxmlformats.org/drawingml/2006/main" xmlns:r="http://schemas.openxmlformats.org/officeDocument/2006/relationships" xmlns:p="http://schemas.openxmlformats.org/presentationml/2006/main" type="blank" preserve="1">
+<p:sldLayout xmlns:a="http://schemas.openxmlformats.org/drawingml/2006/main" xmlns:r="http://schemas.openxmlformats.org/officeDocument/2006/relationships" xmlns:p="http://schemas.openxmlformats.org/presentationml/2006/main" showMasterSp="0" type="blank" preserve="1">
   <p:cSld name="Blank">
     <p:spTree>
       <p:nvGrpSpPr>
@@ -1922,6 +2220,90 @@
       </p:grpSpPr>
       <p:sp>
         <p:nvSpPr>
+          <p:cNvPr id="7" name="Rounded Rectangle 6"/>
+          <p:cNvSpPr/>
+          <p:nvPr/>
+        </p:nvSpPr>
+        <p:spPr>
+          <a:xfrm>
+            <a:off x="304800" y="329184"/>
+            <a:ext cx="8532055" cy="6196819"/>
+          </a:xfrm>
+          <a:prstGeom prst="roundRect">
+            <a:avLst>
+              <a:gd name="adj" fmla="val 2081"/>
+            </a:avLst>
+          </a:prstGeom>
+          <a:gradFill flip="none" rotWithShape="1">
+            <a:gsLst>
+              <a:gs pos="0">
+                <a:srgbClr val="FFFFFF">
+                  <a:shade val="100000"/>
+                </a:srgbClr>
+              </a:gs>
+              <a:gs pos="98000">
+                <a:srgbClr val="FFFFFF">
+                  <a:shade val="100000"/>
+                </a:srgbClr>
+              </a:gs>
+              <a:gs pos="99055">
+                <a:srgbClr val="FFFFFF">
+                  <a:shade val="93000"/>
+                </a:srgbClr>
+              </a:gs>
+              <a:gs pos="100000">
+                <a:srgbClr val="FFFFFF">
+                  <a:shade val="70000"/>
+                </a:srgbClr>
+              </a:gs>
+            </a:gsLst>
+            <a:lin ang="5400000" scaled="1"/>
+            <a:tileRect/>
+          </a:gradFill>
+          <a:ln w="2000" cap="rnd" cmpd="sng" algn="ctr">
+            <a:solidFill>
+              <a:srgbClr val="302F2C">
+                <a:tint val="65000"/>
+                <a:satMod val="120000"/>
+              </a:srgbClr>
+            </a:solidFill>
+            <a:prstDash val="solid"/>
+          </a:ln>
+          <a:effectLst>
+            <a:outerShdw blurRad="76200" dist="50800" dir="5400000" algn="tl" rotWithShape="0">
+              <a:srgbClr val="000000">
+                <a:alpha val="25000"/>
+              </a:srgbClr>
+            </a:outerShdw>
+          </a:effectLst>
+        </p:spPr>
+        <p:style>
+          <a:lnRef idx="3">
+            <a:schemeClr val="lt1"/>
+          </a:lnRef>
+          <a:fillRef idx="1">
+            <a:schemeClr val="accent1"/>
+          </a:fillRef>
+          <a:effectRef idx="1">
+            <a:schemeClr val="accent1"/>
+          </a:effectRef>
+          <a:fontRef idx="minor">
+            <a:schemeClr val="lt1"/>
+          </a:fontRef>
+        </p:style>
+        <p:txBody>
+          <a:bodyPr anchor="ctr"/>
+          <a:lstStyle>
+            <a:extLst/>
+          </a:lstStyle>
+          <a:p>
+            <a:pPr algn="ctr" eaLnBrk="1" latinLnBrk="0" hangingPunct="1"/>
+            <a:endParaRPr kumimoji="0" lang="en-US"/>
+          </a:p>
+        </p:txBody>
+      </p:sp>
+      <p:sp>
+        <p:nvSpPr>
           <p:cNvPr id="2" name="Date Placeholder 1"/>
           <p:cNvSpPr>
             <a:spLocks noGrp="1"/>
@@ -1933,11 +2315,14 @@
         <p:spPr/>
         <p:txBody>
           <a:bodyPr/>
-          <a:lstStyle/>
+          <a:lstStyle>
+            <a:extLst/>
+          </a:lstStyle>
           <a:p>
             <a:fld id="{D57FE7D9-EEF6-4C52-9426-8CFAAA401C52}" type="datetimeFigureOut">
               <a:rPr lang="en-US" smtClean="0"/>
-              <a:t>10/27/2009</a:t>
+              <a:pPr/>
+              <a:t>10/28/2009</a:t>
             </a:fld>
             <a:endParaRPr lang="en-US"/>
           </a:p>
@@ -1956,7 +2341,9 @@
         <p:spPr/>
         <p:txBody>
           <a:bodyPr/>
-          <a:lstStyle/>
+          <a:lstStyle>
+            <a:extLst/>
+          </a:lstStyle>
           <a:p>
             <a:endParaRPr lang="en-US"/>
           </a:p>
@@ -1975,10 +2362,13 @@
         <p:spPr/>
         <p:txBody>
           <a:bodyPr/>
-          <a:lstStyle/>
+          <a:lstStyle>
+            <a:extLst/>
+          </a:lstStyle>
           <a:p>
             <a:fld id="{348DBE1F-2912-458F-ADE3-82B5A8BED712}" type="slidenum">
               <a:rPr lang="en-US" smtClean="0"/>
+              <a:pPr/>
               <a:t>‹#›</a:t>
             </a:fld>
             <a:endParaRPr lang="en-US"/>
@@ -2022,173 +2412,229 @@
         </p:nvSpPr>
         <p:spPr>
           <a:xfrm>
-            <a:off x="457200" y="273050"/>
-            <a:ext cx="3008313" cy="1162050"/>
+            <a:off x="5538784" y="533400"/>
+            <a:ext cx="2971800" cy="914400"/>
           </a:xfrm>
         </p:spPr>
         <p:txBody>
           <a:bodyPr anchor="b"/>
           <a:lstStyle>
             <a:lvl1pPr algn="l">
-              <a:defRPr sz="2000" b="1"/>
+              <a:buNone/>
+              <a:defRPr sz="2200" b="1">
+                <a:solidFill>
+                  <a:schemeClr val="accent1"/>
+                </a:solidFill>
+              </a:defRPr>
             </a:lvl1pPr>
-          </a:lstStyle>
-          <a:p>
-            <a:r>
-              <a:rPr lang="en-US" smtClean="0"/>
+            <a:extLst/>
+          </a:lstStyle>
+          <a:p>
+            <a:r>
+              <a:rPr kumimoji="0" lang="en-US" smtClean="0"/>
               <a:t>Click to edit Master title style</a:t>
             </a:r>
-            <a:endParaRPr lang="en-US"/>
-          </a:p>
-        </p:txBody>
-      </p:sp>
-      <p:sp>
-        <p:nvSpPr>
-          <p:cNvPr id="3" name="Content Placeholder 2"/>
-          <p:cNvSpPr>
-            <a:spLocks noGrp="1"/>
-          </p:cNvSpPr>
-          <p:nvPr>
-            <p:ph idx="1"/>
+            <a:endParaRPr kumimoji="0" lang="en-US"/>
+          </a:p>
+        </p:txBody>
+      </p:sp>
+      <p:sp>
+        <p:nvSpPr>
+          <p:cNvPr id="3" name="Text Placeholder 2"/>
+          <p:cNvSpPr>
+            <a:spLocks noGrp="1"/>
+          </p:cNvSpPr>
+          <p:nvPr>
+            <p:ph type="body" idx="2"/>
           </p:nvPr>
         </p:nvSpPr>
         <p:spPr>
           <a:xfrm>
-            <a:off x="3575050" y="273050"/>
-            <a:ext cx="5111750" cy="5853113"/>
+            <a:off x="5538847" y="1447802"/>
+            <a:ext cx="2971800" cy="4206112"/>
           </a:xfrm>
         </p:spPr>
         <p:txBody>
-          <a:bodyPr/>
-          <a:lstStyle>
-            <a:lvl1pPr>
-              <a:defRPr sz="3200"/>
+          <a:bodyPr lIns="91440"/>
+          <a:lstStyle>
+            <a:lvl1pPr marL="18288" marR="18288" indent="0">
+              <a:spcBef>
+                <a:spcPts val="0"/>
+              </a:spcBef>
+              <a:buNone/>
+              <a:defRPr sz="1400">
+                <a:solidFill>
+                  <a:schemeClr val="tx1"/>
+                </a:solidFill>
+              </a:defRPr>
             </a:lvl1pPr>
             <a:lvl2pPr>
-              <a:defRPr sz="2800"/>
+              <a:buNone/>
+              <a:defRPr sz="1200">
+                <a:solidFill>
+                  <a:schemeClr val="tx1"/>
+                </a:solidFill>
+              </a:defRPr>
             </a:lvl2pPr>
             <a:lvl3pPr>
-              <a:defRPr sz="2400"/>
+              <a:buNone/>
+              <a:defRPr sz="1000">
+                <a:solidFill>
+                  <a:schemeClr val="tx1"/>
+                </a:solidFill>
+              </a:defRPr>
             </a:lvl3pPr>
             <a:lvl4pPr>
-              <a:defRPr sz="2000"/>
+              <a:buNone/>
+              <a:defRPr sz="900">
+                <a:solidFill>
+                  <a:schemeClr val="tx1"/>
+                </a:solidFill>
+              </a:defRPr>
             </a:lvl4pPr>
             <a:lvl5pPr>
-              <a:defRPr sz="2000"/>
+              <a:buNone/>
+              <a:defRPr sz="900">
+                <a:solidFill>
+                  <a:schemeClr val="tx1"/>
+                </a:solidFill>
+              </a:defRPr>
+            </a:lvl5pPr>
+            <a:extLst/>
+          </a:lstStyle>
+          <a:p>
+            <a:pPr lvl="0" eaLnBrk="1" latinLnBrk="0" hangingPunct="1"/>
+            <a:r>
+              <a:rPr lang="en-US" smtClean="0"/>
+              <a:t>Click to edit Master text styles</a:t>
+            </a:r>
+          </a:p>
+          <a:p>
+            <a:pPr lvl="1" eaLnBrk="1" latinLnBrk="0" hangingPunct="1"/>
+            <a:r>
+              <a:rPr lang="en-US" smtClean="0"/>
+              <a:t>Second level</a:t>
+            </a:r>
+          </a:p>
+          <a:p>
+            <a:pPr lvl="2" eaLnBrk="1" latinLnBrk="0" hangingPunct="1"/>
+            <a:r>
+              <a:rPr lang="en-US" smtClean="0"/>
+              <a:t>Third level</a:t>
+            </a:r>
+          </a:p>
+          <a:p>
+            <a:pPr lvl="3" eaLnBrk="1" latinLnBrk="0" hangingPunct="1"/>
+            <a:r>
+              <a:rPr lang="en-US" smtClean="0"/>
+              <a:t>Fourth level</a:t>
+            </a:r>
+          </a:p>
+          <a:p>
+            <a:pPr lvl="4" eaLnBrk="1" latinLnBrk="0" hangingPunct="1"/>
+            <a:r>
+              <a:rPr lang="en-US" smtClean="0"/>
+              <a:t>Fifth level</a:t>
+            </a:r>
+            <a:endParaRPr kumimoji="0" lang="en-US"/>
+          </a:p>
+        </p:txBody>
+      </p:sp>
+      <p:sp>
+        <p:nvSpPr>
+          <p:cNvPr id="4" name="Content Placeholder 3"/>
+          <p:cNvSpPr>
+            <a:spLocks noGrp="1"/>
+          </p:cNvSpPr>
+          <p:nvPr>
+            <p:ph sz="half" idx="1"/>
+          </p:nvPr>
+        </p:nvSpPr>
+        <p:spPr>
+          <a:xfrm>
+            <a:off x="761372" y="930144"/>
+            <a:ext cx="4626159" cy="4724402"/>
+          </a:xfrm>
+        </p:spPr>
+        <p:txBody>
+          <a:bodyPr/>
+          <a:lstStyle>
+            <a:lvl1pPr>
+              <a:defRPr sz="2800">
+                <a:solidFill>
+                  <a:schemeClr val="tx1"/>
+                </a:solidFill>
+              </a:defRPr>
+            </a:lvl1pPr>
+            <a:lvl2pPr>
+              <a:defRPr sz="2600">
+                <a:solidFill>
+                  <a:schemeClr val="tx1"/>
+                </a:solidFill>
+              </a:defRPr>
+            </a:lvl2pPr>
+            <a:lvl3pPr>
+              <a:defRPr sz="2400">
+                <a:solidFill>
+                  <a:schemeClr val="tx1"/>
+                </a:solidFill>
+              </a:defRPr>
+            </a:lvl3pPr>
+            <a:lvl4pPr>
+              <a:defRPr sz="2000">
+                <a:solidFill>
+                  <a:schemeClr val="tx1"/>
+                </a:solidFill>
+              </a:defRPr>
+            </a:lvl4pPr>
+            <a:lvl5pPr>
+              <a:defRPr sz="2000">
+                <a:solidFill>
+                  <a:schemeClr val="tx1"/>
+                </a:solidFill>
+              </a:defRPr>
             </a:lvl5pPr>
             <a:lvl6pPr>
-              <a:defRPr sz="2000"/>
+              <a:buNone/>
+              <a:defRPr/>
             </a:lvl6pPr>
-            <a:lvl7pPr>
-              <a:defRPr sz="2000"/>
-            </a:lvl7pPr>
-            <a:lvl8pPr>
-              <a:defRPr sz="2000"/>
-            </a:lvl8pPr>
-            <a:lvl9pPr>
-              <a:defRPr sz="2000"/>
-            </a:lvl9pPr>
-          </a:lstStyle>
-          <a:p>
-            <a:pPr lvl="0"/>
+            <a:extLst/>
+          </a:lstStyle>
+          <a:p>
+            <a:pPr lvl="0" eaLnBrk="1" latinLnBrk="0" hangingPunct="1"/>
             <a:r>
               <a:rPr lang="en-US" smtClean="0"/>
               <a:t>Click to edit Master text styles</a:t>
             </a:r>
           </a:p>
           <a:p>
-            <a:pPr lvl="1"/>
+            <a:pPr lvl="1" eaLnBrk="1" latinLnBrk="0" hangingPunct="1"/>
             <a:r>
               <a:rPr lang="en-US" smtClean="0"/>
               <a:t>Second level</a:t>
             </a:r>
           </a:p>
           <a:p>
-            <a:pPr lvl="2"/>
+            <a:pPr lvl="2" eaLnBrk="1" latinLnBrk="0" hangingPunct="1"/>
             <a:r>
               <a:rPr lang="en-US" smtClean="0"/>
               <a:t>Third level</a:t>
             </a:r>
           </a:p>
           <a:p>
-            <a:pPr lvl="3"/>
+            <a:pPr lvl="3" eaLnBrk="1" latinLnBrk="0" hangingPunct="1"/>
             <a:r>
               <a:rPr lang="en-US" smtClean="0"/>
               <a:t>Fourth level</a:t>
             </a:r>
           </a:p>
           <a:p>
-            <a:pPr lvl="4"/>
+            <a:pPr lvl="4" eaLnBrk="1" latinLnBrk="0" hangingPunct="1"/>
             <a:r>
               <a:rPr lang="en-US" smtClean="0"/>
               <a:t>Fifth level</a:t>
             </a:r>
-            <a:endParaRPr lang="en-US"/>
-          </a:p>
-        </p:txBody>
-      </p:sp>
-      <p:sp>
-        <p:nvSpPr>
-          <p:cNvPr id="4" name="Text Placeholder 3"/>
-          <p:cNvSpPr>
-            <a:spLocks noGrp="1"/>
-          </p:cNvSpPr>
-          <p:nvPr>
-            <p:ph type="body" sz="half" idx="2"/>
-          </p:nvPr>
-        </p:nvSpPr>
-        <p:spPr>
-          <a:xfrm>
-            <a:off x="457200" y="1435100"/>
-            <a:ext cx="3008313" cy="4691063"/>
-          </a:xfrm>
-        </p:spPr>
-        <p:txBody>
-          <a:bodyPr/>
-          <a:lstStyle>
-            <a:lvl1pPr marL="0" indent="0">
-              <a:buNone/>
-              <a:defRPr sz="1400"/>
-            </a:lvl1pPr>
-            <a:lvl2pPr marL="457200" indent="0">
-              <a:buNone/>
-              <a:defRPr sz="1200"/>
-            </a:lvl2pPr>
-            <a:lvl3pPr marL="914400" indent="0">
-              <a:buNone/>
-              <a:defRPr sz="1000"/>
-            </a:lvl3pPr>
-            <a:lvl4pPr marL="1371600" indent="0">
-              <a:buNone/>
-              <a:defRPr sz="900"/>
-            </a:lvl4pPr>
-            <a:lvl5pPr marL="1828800" indent="0">
-              <a:buNone/>
-              <a:defRPr sz="900"/>
-            </a:lvl5pPr>
-            <a:lvl6pPr marL="2286000" indent="0">
-              <a:buNone/>
-              <a:defRPr sz="900"/>
-            </a:lvl6pPr>
-            <a:lvl7pPr marL="2743200" indent="0">
-              <a:buNone/>
-              <a:defRPr sz="900"/>
-            </a:lvl7pPr>
-            <a:lvl8pPr marL="3200400" indent="0">
-              <a:buNone/>
-              <a:defRPr sz="900"/>
-            </a:lvl8pPr>
-            <a:lvl9pPr marL="3657600" indent="0">
-              <a:buNone/>
-              <a:defRPr sz="900"/>
-            </a:lvl9pPr>
-          </a:lstStyle>
-          <a:p>
-            <a:pPr lvl="0"/>
-            <a:r>
-              <a:rPr lang="en-US" smtClean="0"/>
-              <a:t>Click to edit Master text styles</a:t>
-            </a:r>
+            <a:endParaRPr kumimoji="0" lang="en-US"/>
           </a:p>
         </p:txBody>
       </p:sp>
@@ -2205,11 +2651,14 @@
         <p:spPr/>
         <p:txBody>
           <a:bodyPr/>
-          <a:lstStyle/>
+          <a:lstStyle>
+            <a:extLst/>
+          </a:lstStyle>
           <a:p>
             <a:fld id="{D57FE7D9-EEF6-4C52-9426-8CFAAA401C52}" type="datetimeFigureOut">
               <a:rPr lang="en-US" smtClean="0"/>
-              <a:t>10/27/2009</a:t>
+              <a:pPr/>
+              <a:t>10/28/2009</a:t>
             </a:fld>
             <a:endParaRPr lang="en-US"/>
           </a:p>
@@ -2228,7 +2677,9 @@
         <p:spPr/>
         <p:txBody>
           <a:bodyPr/>
-          <a:lstStyle/>
+          <a:lstStyle>
+            <a:extLst/>
+          </a:lstStyle>
           <a:p>
             <a:endParaRPr lang="en-US"/>
           </a:p>
@@ -2247,10 +2698,13 @@
         <p:spPr/>
         <p:txBody>
           <a:bodyPr/>
-          <a:lstStyle/>
+          <a:lstStyle>
+            <a:extLst/>
+          </a:lstStyle>
           <a:p>
             <a:fld id="{348DBE1F-2912-458F-ADE3-82B5A8BED712}" type="slidenum">
               <a:rPr lang="en-US" smtClean="0"/>
+              <a:pPr/>
               <a:t>‹#›</a:t>
             </a:fld>
             <a:endParaRPr lang="en-US"/>
@@ -2266,7 +2720,7 @@
 </file>
 
 <file path=ppt/slideLayouts/slideLayout9.xml><?xml version="1.0" encoding="utf-8"?>
-<p:sldLayout xmlns:a="http://schemas.openxmlformats.org/drawingml/2006/main" xmlns:r="http://schemas.openxmlformats.org/officeDocument/2006/relationships" xmlns:p="http://schemas.openxmlformats.org/presentationml/2006/main" type="picTx" preserve="1">
+<p:sldLayout xmlns:a="http://schemas.openxmlformats.org/drawingml/2006/main" xmlns:r="http://schemas.openxmlformats.org/officeDocument/2006/relationships" xmlns:p="http://schemas.openxmlformats.org/presentationml/2006/main" showMasterSp="0" type="picTx" preserve="1">
   <p:cSld name="Picture with Caption">
     <p:spTree>
       <p:nvGrpSpPr>
@@ -2284,32 +2738,346 @@
       </p:grpSpPr>
       <p:sp>
         <p:nvSpPr>
-          <p:cNvPr id="2" name="Title 1"/>
-          <p:cNvSpPr>
-            <a:spLocks noGrp="1"/>
-          </p:cNvSpPr>
-          <p:nvPr>
-            <p:ph type="title"/>
-          </p:nvPr>
+          <p:cNvPr id="15" name="Rounded Rectangle 14"/>
+          <p:cNvSpPr/>
+          <p:nvPr/>
         </p:nvSpPr>
         <p:spPr>
           <a:xfrm>
-            <a:off x="1792288" y="4800600"/>
-            <a:ext cx="5486400" cy="566738"/>
+            <a:off x="304800" y="329184"/>
+            <a:ext cx="8532055" cy="6196819"/>
+          </a:xfrm>
+          <a:prstGeom prst="roundRect">
+            <a:avLst>
+              <a:gd name="adj" fmla="val 2081"/>
+            </a:avLst>
+          </a:prstGeom>
+          <a:gradFill flip="none" rotWithShape="1">
+            <a:gsLst>
+              <a:gs pos="0">
+                <a:srgbClr val="FFFFFF">
+                  <a:shade val="100000"/>
+                </a:srgbClr>
+              </a:gs>
+              <a:gs pos="98000">
+                <a:srgbClr val="FFFFFF">
+                  <a:shade val="100000"/>
+                </a:srgbClr>
+              </a:gs>
+              <a:gs pos="99055">
+                <a:srgbClr val="FFFFFF">
+                  <a:shade val="93000"/>
+                </a:srgbClr>
+              </a:gs>
+              <a:gs pos="100000">
+                <a:srgbClr val="FFFFFF">
+                  <a:shade val="70000"/>
+                </a:srgbClr>
+              </a:gs>
+            </a:gsLst>
+            <a:lin ang="5400000" scaled="1"/>
+            <a:tileRect/>
+          </a:gradFill>
+          <a:ln w="2000" cap="rnd" cmpd="sng" algn="ctr">
+            <a:solidFill>
+              <a:srgbClr val="302F2C">
+                <a:tint val="65000"/>
+                <a:satMod val="120000"/>
+              </a:srgbClr>
+            </a:solidFill>
+            <a:prstDash val="solid"/>
+          </a:ln>
+          <a:effectLst>
+            <a:outerShdw blurRad="76200" dist="50800" dir="5400000" algn="tl" rotWithShape="0">
+              <a:srgbClr val="000000">
+                <a:alpha val="25000"/>
+              </a:srgbClr>
+            </a:outerShdw>
+          </a:effectLst>
+        </p:spPr>
+        <p:style>
+          <a:lnRef idx="3">
+            <a:schemeClr val="lt1"/>
+          </a:lnRef>
+          <a:fillRef idx="1">
+            <a:schemeClr val="accent1"/>
+          </a:fillRef>
+          <a:effectRef idx="1">
+            <a:schemeClr val="accent1"/>
+          </a:effectRef>
+          <a:fontRef idx="minor">
+            <a:schemeClr val="lt1"/>
+          </a:fontRef>
+        </p:style>
+        <p:txBody>
+          <a:bodyPr anchor="ctr"/>
+          <a:lstStyle>
+            <a:extLst/>
+          </a:lstStyle>
+          <a:p>
+            <a:pPr algn="ctr" eaLnBrk="1" latinLnBrk="0" hangingPunct="1"/>
+            <a:endParaRPr kumimoji="0" lang="en-US"/>
+          </a:p>
+        </p:txBody>
+      </p:sp>
+      <p:sp>
+        <p:nvSpPr>
+          <p:cNvPr id="11" name="Round Single Corner Rectangle 10"/>
+          <p:cNvSpPr/>
+          <p:nvPr/>
+        </p:nvSpPr>
+        <p:spPr>
+          <a:xfrm>
+            <a:off x="6400800" y="434162"/>
+            <a:ext cx="2324605" cy="4343400"/>
+          </a:xfrm>
+          <a:prstGeom prst="round1Rect">
+            <a:avLst>
+              <a:gd name="adj" fmla="val 2748"/>
+            </a:avLst>
+          </a:prstGeom>
+          <a:solidFill>
+            <a:srgbClr val="1C1C1C"/>
+          </a:solidFill>
+          <a:ln w="8890" cap="rnd" cmpd="sng" algn="ctr">
+            <a:noFill/>
+            <a:prstDash val="solid"/>
+          </a:ln>
+          <a:effectLst/>
+        </p:spPr>
+        <p:style>
+          <a:lnRef idx="3">
+            <a:schemeClr val="lt1"/>
+          </a:lnRef>
+          <a:fillRef idx="1">
+            <a:schemeClr val="accent1"/>
+          </a:fillRef>
+          <a:effectRef idx="1">
+            <a:schemeClr val="accent1"/>
+          </a:effectRef>
+          <a:fontRef idx="minor">
+            <a:schemeClr val="lt1"/>
+          </a:fontRef>
+        </p:style>
+        <p:txBody>
+          <a:bodyPr anchor="ctr"/>
+          <a:lstStyle>
+            <a:extLst/>
+          </a:lstStyle>
+          <a:p>
+            <a:pPr algn="ctr" eaLnBrk="1" latinLnBrk="0" hangingPunct="1"/>
+            <a:endParaRPr kumimoji="0" lang="en-US"/>
+          </a:p>
+        </p:txBody>
+      </p:sp>
+      <p:sp>
+        <p:nvSpPr>
+          <p:cNvPr id="2" name="Title 1"/>
+          <p:cNvSpPr>
+            <a:spLocks noGrp="1"/>
+          </p:cNvSpPr>
+          <p:nvPr>
+            <p:ph type="title"/>
+          </p:nvPr>
+        </p:nvSpPr>
+        <p:spPr>
+          <a:xfrm>
+            <a:off x="457200" y="5012056"/>
+            <a:ext cx="8229600" cy="1051560"/>
           </a:xfrm>
         </p:spPr>
         <p:txBody>
-          <a:bodyPr anchor="b"/>
+          <a:bodyPr anchor="t"/>
           <a:lstStyle>
             <a:lvl1pPr algn="l">
-              <a:defRPr sz="2000" b="1"/>
+              <a:buNone/>
+              <a:defRPr sz="3600" b="0">
+                <a:solidFill>
+                  <a:schemeClr val="bg2">
+                    <a:shade val="25000"/>
+                  </a:schemeClr>
+                </a:solidFill>
+                <a:effectLst/>
+              </a:defRPr>
             </a:lvl1pPr>
-          </a:lstStyle>
-          <a:p>
-            <a:r>
-              <a:rPr lang="en-US" smtClean="0"/>
+            <a:extLst/>
+          </a:lstStyle>
+          <a:p>
+            <a:r>
+              <a:rPr kumimoji="0" lang="en-US" smtClean="0"/>
               <a:t>Click to edit Master title style</a:t>
             </a:r>
+            <a:endParaRPr kumimoji="0" lang="en-US"/>
+          </a:p>
+        </p:txBody>
+      </p:sp>
+      <p:sp>
+        <p:nvSpPr>
+          <p:cNvPr id="4" name="Text Placeholder 3"/>
+          <p:cNvSpPr>
+            <a:spLocks noGrp="1"/>
+          </p:cNvSpPr>
+          <p:nvPr>
+            <p:ph type="body" sz="half" idx="2"/>
+          </p:nvPr>
+        </p:nvSpPr>
+        <p:spPr bwMode="grayWhite">
+          <a:xfrm>
+            <a:off x="6462712" y="533400"/>
+            <a:ext cx="2240280" cy="4211480"/>
+          </a:xfrm>
+        </p:spPr>
+        <p:txBody>
+          <a:bodyPr lIns="91440"/>
+          <a:lstStyle>
+            <a:lvl1pPr marL="45720" indent="0" algn="l">
+              <a:spcBef>
+                <a:spcPts val="0"/>
+              </a:spcBef>
+              <a:buNone/>
+              <a:defRPr sz="1400">
+                <a:solidFill>
+                  <a:srgbClr val="FFFFFF"/>
+                </a:solidFill>
+              </a:defRPr>
+            </a:lvl1pPr>
+            <a:lvl2pPr>
+              <a:defRPr sz="1200">
+                <a:solidFill>
+                  <a:srgbClr val="FFFFFF"/>
+                </a:solidFill>
+              </a:defRPr>
+            </a:lvl2pPr>
+            <a:lvl3pPr>
+              <a:defRPr sz="1000">
+                <a:solidFill>
+                  <a:srgbClr val="FFFFFF"/>
+                </a:solidFill>
+              </a:defRPr>
+            </a:lvl3pPr>
+            <a:lvl4pPr>
+              <a:defRPr sz="900">
+                <a:solidFill>
+                  <a:srgbClr val="FFFFFF"/>
+                </a:solidFill>
+              </a:defRPr>
+            </a:lvl4pPr>
+            <a:lvl5pPr>
+              <a:defRPr sz="900">
+                <a:solidFill>
+                  <a:srgbClr val="FFFFFF"/>
+                </a:solidFill>
+              </a:defRPr>
+            </a:lvl5pPr>
+            <a:extLst/>
+          </a:lstStyle>
+          <a:p>
+            <a:pPr lvl="0" eaLnBrk="1" latinLnBrk="0" hangingPunct="1"/>
+            <a:r>
+              <a:rPr lang="en-US" smtClean="0"/>
+              <a:t>Click to edit Master text styles</a:t>
+            </a:r>
+          </a:p>
+          <a:p>
+            <a:pPr lvl="1" eaLnBrk="1" latinLnBrk="0" hangingPunct="1"/>
+            <a:r>
+              <a:rPr lang="en-US" smtClean="0"/>
+              <a:t>Second level</a:t>
+            </a:r>
+          </a:p>
+          <a:p>
+            <a:pPr lvl="2" eaLnBrk="1" latinLnBrk="0" hangingPunct="1"/>
+            <a:r>
+              <a:rPr lang="en-US" smtClean="0"/>
+              <a:t>Third level</a:t>
+            </a:r>
+          </a:p>
+          <a:p>
+            <a:pPr lvl="3" eaLnBrk="1" latinLnBrk="0" hangingPunct="1"/>
+            <a:r>
+              <a:rPr lang="en-US" smtClean="0"/>
+              <a:t>Fourth level</a:t>
+            </a:r>
+          </a:p>
+          <a:p>
+            <a:pPr lvl="4" eaLnBrk="1" latinLnBrk="0" hangingPunct="1"/>
+            <a:r>
+              <a:rPr lang="en-US" smtClean="0"/>
+              <a:t>Fifth level</a:t>
+            </a:r>
+            <a:endParaRPr kumimoji="0" lang="en-US"/>
+          </a:p>
+        </p:txBody>
+      </p:sp>
+      <p:sp>
+        <p:nvSpPr>
+          <p:cNvPr id="5" name="Date Placeholder 4"/>
+          <p:cNvSpPr>
+            <a:spLocks noGrp="1"/>
+          </p:cNvSpPr>
+          <p:nvPr>
+            <p:ph type="dt" sz="half" idx="10"/>
+          </p:nvPr>
+        </p:nvSpPr>
+        <p:spPr/>
+        <p:txBody>
+          <a:bodyPr/>
+          <a:lstStyle>
+            <a:extLst/>
+          </a:lstStyle>
+          <a:p>
+            <a:fld id="{D57FE7D9-EEF6-4C52-9426-8CFAAA401C52}" type="datetimeFigureOut">
+              <a:rPr lang="en-US" smtClean="0"/>
+              <a:pPr/>
+              <a:t>10/28/2009</a:t>
+            </a:fld>
+            <a:endParaRPr lang="en-US"/>
+          </a:p>
+        </p:txBody>
+      </p:sp>
+      <p:sp>
+        <p:nvSpPr>
+          <p:cNvPr id="6" name="Footer Placeholder 5"/>
+          <p:cNvSpPr>
+            <a:spLocks noGrp="1"/>
+          </p:cNvSpPr>
+          <p:nvPr>
+            <p:ph type="ftr" sz="quarter" idx="11"/>
+          </p:nvPr>
+        </p:nvSpPr>
+        <p:spPr/>
+        <p:txBody>
+          <a:bodyPr/>
+          <a:lstStyle>
+            <a:extLst/>
+          </a:lstStyle>
+          <a:p>
+            <a:endParaRPr lang="en-US"/>
+          </a:p>
+        </p:txBody>
+      </p:sp>
+      <p:sp>
+        <p:nvSpPr>
+          <p:cNvPr id="7" name="Slide Number Placeholder 6"/>
+          <p:cNvSpPr>
+            <a:spLocks noGrp="1"/>
+          </p:cNvSpPr>
+          <p:nvPr>
+            <p:ph type="sldNum" sz="quarter" idx="12"/>
+          </p:nvPr>
+        </p:nvSpPr>
+        <p:spPr/>
+        <p:txBody>
+          <a:bodyPr/>
+          <a:lstStyle>
+            <a:extLst/>
+          </a:lstStyle>
+          <a:p>
+            <a:fld id="{348DBE1F-2912-458F-ADE3-82B5A8BED712}" type="slidenum">
+              <a:rPr lang="en-US" smtClean="0"/>
+              <a:pPr/>
+              <a:t>‹#›</a:t>
+            </a:fld>
             <a:endParaRPr lang="en-US"/>
           </a:p>
         </p:txBody>
@@ -2326,9 +3094,20 @@
         </p:nvSpPr>
         <p:spPr>
           <a:xfrm>
-            <a:off x="1792288" y="612775"/>
-            <a:ext cx="5486400" cy="4114800"/>
+            <a:off x="421480" y="435768"/>
+            <a:ext cx="5925312" cy="4343400"/>
           </a:xfrm>
+          <a:prstGeom prst="snipRoundRect">
+            <a:avLst>
+              <a:gd name="adj1" fmla="val 1040"/>
+              <a:gd name="adj2" fmla="val 0"/>
+            </a:avLst>
+          </a:prstGeom>
+          <a:solidFill>
+            <a:schemeClr val="bg2">
+              <a:shade val="10000"/>
+            </a:schemeClr>
+          </a:solidFill>
         </p:spPr>
         <p:txBody>
           <a:bodyPr/>
@@ -2337,171 +3116,14 @@
               <a:buNone/>
               <a:defRPr sz="3200"/>
             </a:lvl1pPr>
-            <a:lvl2pPr marL="457200" indent="0">
-              <a:buNone/>
-              <a:defRPr sz="2800"/>
-            </a:lvl2pPr>
-            <a:lvl3pPr marL="914400" indent="0">
-              <a:buNone/>
-              <a:defRPr sz="2400"/>
-            </a:lvl3pPr>
-            <a:lvl4pPr marL="1371600" indent="0">
-              <a:buNone/>
-              <a:defRPr sz="2000"/>
-            </a:lvl4pPr>
-            <a:lvl5pPr marL="1828800" indent="0">
-              <a:buNone/>
-              <a:defRPr sz="2000"/>
-            </a:lvl5pPr>
-            <a:lvl6pPr marL="2286000" indent="0">
-              <a:buNone/>
-              <a:defRPr sz="2000"/>
-            </a:lvl6pPr>
-            <a:lvl7pPr marL="2743200" indent="0">
-              <a:buNone/>
-              <a:defRPr sz="2000"/>
-            </a:lvl7pPr>
-            <a:lvl8pPr marL="3200400" indent="0">
-              <a:buNone/>
-              <a:defRPr sz="2000"/>
-            </a:lvl8pPr>
-            <a:lvl9pPr marL="3657600" indent="0">
-              <a:buNone/>
-              <a:defRPr sz="2000"/>
-            </a:lvl9pPr>
-          </a:lstStyle>
-          <a:p>
-            <a:endParaRPr lang="en-US"/>
-          </a:p>
-        </p:txBody>
-      </p:sp>
-      <p:sp>
-        <p:nvSpPr>
-          <p:cNvPr id="4" name="Text Placeholder 3"/>
-          <p:cNvSpPr>
-            <a:spLocks noGrp="1"/>
-          </p:cNvSpPr>
-          <p:nvPr>
-            <p:ph type="body" sz="half" idx="2"/>
-          </p:nvPr>
-        </p:nvSpPr>
-        <p:spPr>
-          <a:xfrm>
-            <a:off x="1792288" y="5367338"/>
-            <a:ext cx="5486400" cy="804862"/>
-          </a:xfrm>
-        </p:spPr>
-        <p:txBody>
-          <a:bodyPr/>
-          <a:lstStyle>
-            <a:lvl1pPr marL="0" indent="0">
-              <a:buNone/>
-              <a:defRPr sz="1400"/>
-            </a:lvl1pPr>
-            <a:lvl2pPr marL="457200" indent="0">
-              <a:buNone/>
-              <a:defRPr sz="1200"/>
-            </a:lvl2pPr>
-            <a:lvl3pPr marL="914400" indent="0">
-              <a:buNone/>
-              <a:defRPr sz="1000"/>
-            </a:lvl3pPr>
-            <a:lvl4pPr marL="1371600" indent="0">
-              <a:buNone/>
-              <a:defRPr sz="900"/>
-            </a:lvl4pPr>
-            <a:lvl5pPr marL="1828800" indent="0">
-              <a:buNone/>
-              <a:defRPr sz="900"/>
-            </a:lvl5pPr>
-            <a:lvl6pPr marL="2286000" indent="0">
-              <a:buNone/>
-              <a:defRPr sz="900"/>
-            </a:lvl6pPr>
-            <a:lvl7pPr marL="2743200" indent="0">
-              <a:buNone/>
-              <a:defRPr sz="900"/>
-            </a:lvl7pPr>
-            <a:lvl8pPr marL="3200400" indent="0">
-              <a:buNone/>
-              <a:defRPr sz="900"/>
-            </a:lvl8pPr>
-            <a:lvl9pPr marL="3657600" indent="0">
-              <a:buNone/>
-              <a:defRPr sz="900"/>
-            </a:lvl9pPr>
-          </a:lstStyle>
-          <a:p>
-            <a:pPr lvl="0"/>
-            <a:r>
-              <a:rPr lang="en-US" smtClean="0"/>
-              <a:t>Click to edit Master text styles</a:t>
-            </a:r>
-          </a:p>
-        </p:txBody>
-      </p:sp>
-      <p:sp>
-        <p:nvSpPr>
-          <p:cNvPr id="5" name="Date Placeholder 4"/>
-          <p:cNvSpPr>
-            <a:spLocks noGrp="1"/>
-          </p:cNvSpPr>
-          <p:nvPr>
-            <p:ph type="dt" sz="half" idx="10"/>
-          </p:nvPr>
-        </p:nvSpPr>
-        <p:spPr/>
-        <p:txBody>
-          <a:bodyPr/>
-          <a:lstStyle/>
-          <a:p>
-            <a:fld id="{D57FE7D9-EEF6-4C52-9426-8CFAAA401C52}" type="datetimeFigureOut">
-              <a:rPr lang="en-US" smtClean="0"/>
-              <a:t>10/27/2009</a:t>
-            </a:fld>
-            <a:endParaRPr lang="en-US"/>
-          </a:p>
-        </p:txBody>
-      </p:sp>
-      <p:sp>
-        <p:nvSpPr>
-          <p:cNvPr id="6" name="Footer Placeholder 5"/>
-          <p:cNvSpPr>
-            <a:spLocks noGrp="1"/>
-          </p:cNvSpPr>
-          <p:nvPr>
-            <p:ph type="ftr" sz="quarter" idx="11"/>
-          </p:nvPr>
-        </p:nvSpPr>
-        <p:spPr/>
-        <p:txBody>
-          <a:bodyPr/>
-          <a:lstStyle/>
-          <a:p>
-            <a:endParaRPr lang="en-US"/>
-          </a:p>
-        </p:txBody>
-      </p:sp>
-      <p:sp>
-        <p:nvSpPr>
-          <p:cNvPr id="7" name="Slide Number Placeholder 6"/>
-          <p:cNvSpPr>
-            <a:spLocks noGrp="1"/>
-          </p:cNvSpPr>
-          <p:nvPr>
-            <p:ph type="sldNum" sz="quarter" idx="12"/>
-          </p:nvPr>
-        </p:nvSpPr>
-        <p:spPr/>
-        <p:txBody>
-          <a:bodyPr/>
-          <a:lstStyle/>
-          <a:p>
-            <a:fld id="{348DBE1F-2912-458F-ADE3-82B5A8BED712}" type="slidenum">
-              <a:rPr lang="en-US" smtClean="0"/>
-              <a:t>‹#›</a:t>
-            </a:fld>
-            <a:endParaRPr lang="en-US"/>
+            <a:extLst/>
+          </a:lstStyle>
+          <a:p>
+            <a:r>
+              <a:rPr kumimoji="0" lang="en-US" smtClean="0"/>
+              <a:t>Click icon to add picture</a:t>
+            </a:r>
+            <a:endParaRPr kumimoji="0" lang="en-US"/>
           </a:p>
         </p:txBody>
       </p:sp>
@@ -2518,7 +3140,7 @@
   <p:cSld>
     <p:bg>
       <p:bgRef idx="1001">
-        <a:schemeClr val="bg1"/>
+        <a:schemeClr val="bg2"/>
       </p:bgRef>
     </p:bg>
     <p:spTree>
@@ -2537,40 +3159,198 @@
       </p:grpSpPr>
       <p:sp>
         <p:nvSpPr>
-          <p:cNvPr id="2" name="Title Placeholder 1"/>
-          <p:cNvSpPr>
-            <a:spLocks noGrp="1"/>
-          </p:cNvSpPr>
-          <p:nvPr>
-            <p:ph type="title"/>
-          </p:nvPr>
+          <p:cNvPr id="7" name="Rounded Rectangle 6"/>
+          <p:cNvSpPr/>
+          <p:nvPr/>
         </p:nvSpPr>
         <p:spPr>
           <a:xfrm>
-            <a:off x="457200" y="274638"/>
-            <a:ext cx="8229600" cy="1143000"/>
+            <a:off x="304800" y="329184"/>
+            <a:ext cx="8532055" cy="6196819"/>
+          </a:xfrm>
+          <a:prstGeom prst="roundRect">
+            <a:avLst>
+              <a:gd name="adj" fmla="val 2081"/>
+            </a:avLst>
+          </a:prstGeom>
+          <a:gradFill flip="none" rotWithShape="1">
+            <a:gsLst>
+              <a:gs pos="0">
+                <a:srgbClr val="FFFFFF">
+                  <a:shade val="100000"/>
+                </a:srgbClr>
+              </a:gs>
+              <a:gs pos="98000">
+                <a:srgbClr val="FFFFFF">
+                  <a:shade val="100000"/>
+                </a:srgbClr>
+              </a:gs>
+              <a:gs pos="99055">
+                <a:srgbClr val="FFFFFF">
+                  <a:shade val="93000"/>
+                </a:srgbClr>
+              </a:gs>
+              <a:gs pos="100000">
+                <a:srgbClr val="FFFFFF">
+                  <a:shade val="70000"/>
+                </a:srgbClr>
+              </a:gs>
+            </a:gsLst>
+            <a:lin ang="5400000" scaled="1"/>
+            <a:tileRect/>
+          </a:gradFill>
+          <a:ln w="2000" cap="rnd" cmpd="sng" algn="ctr">
+            <a:solidFill>
+              <a:srgbClr val="302F2C">
+                <a:tint val="65000"/>
+                <a:satMod val="120000"/>
+              </a:srgbClr>
+            </a:solidFill>
+            <a:prstDash val="solid"/>
+          </a:ln>
+          <a:effectLst>
+            <a:outerShdw blurRad="76200" dist="50800" dir="5400000" algn="tl" rotWithShape="0">
+              <a:srgbClr val="000000">
+                <a:alpha val="25000"/>
+              </a:srgbClr>
+            </a:outerShdw>
+          </a:effectLst>
+        </p:spPr>
+        <p:style>
+          <a:lnRef idx="3">
+            <a:schemeClr val="lt1"/>
+          </a:lnRef>
+          <a:fillRef idx="1">
+            <a:schemeClr val="accent1"/>
+          </a:fillRef>
+          <a:effectRef idx="1">
+            <a:schemeClr val="accent1"/>
+          </a:effectRef>
+          <a:fontRef idx="minor">
+            <a:schemeClr val="lt1"/>
+          </a:fontRef>
+        </p:style>
+        <p:txBody>
+          <a:bodyPr anchor="ctr"/>
+          <a:lstStyle>
+            <a:extLst/>
+          </a:lstStyle>
+          <a:p>
+            <a:pPr algn="ctr" eaLnBrk="1" latinLnBrk="0" hangingPunct="1"/>
+            <a:endParaRPr kumimoji="0" lang="en-US"/>
+          </a:p>
+        </p:txBody>
+      </p:sp>
+      <p:sp>
+        <p:nvSpPr>
+          <p:cNvPr id="9" name="Rounded Rectangle 8"/>
+          <p:cNvSpPr/>
+          <p:nvPr/>
+        </p:nvSpPr>
+        <p:spPr>
+          <a:xfrm>
+            <a:off x="418596" y="434162"/>
+            <a:ext cx="8306809" cy="5486400"/>
+          </a:xfrm>
+          <a:prstGeom prst="roundRect">
+            <a:avLst>
+              <a:gd name="adj" fmla="val 2127"/>
+            </a:avLst>
+          </a:prstGeom>
+          <a:gradFill rotWithShape="1">
+            <a:gsLst>
+              <a:gs pos="0">
+                <a:schemeClr val="bg1">
+                  <a:tint val="75000"/>
+                  <a:satMod val="150000"/>
+                </a:schemeClr>
+              </a:gs>
+              <a:gs pos="55000">
+                <a:schemeClr val="bg1">
+                  <a:shade val="75000"/>
+                  <a:satMod val="100000"/>
+                </a:schemeClr>
+              </a:gs>
+              <a:gs pos="100000">
+                <a:schemeClr val="bg1">
+                  <a:shade val="35000"/>
+                  <a:satMod val="100000"/>
+                </a:schemeClr>
+              </a:gs>
+            </a:gsLst>
+            <a:path path="circle">
+              <a:fillToRect l="50000" t="175000" r="50000" b="-75000"/>
+            </a:path>
+          </a:gradFill>
+          <a:ln w="8890" cap="rnd" cmpd="sng" algn="ctr">
+            <a:noFill/>
+            <a:prstDash val="solid"/>
+          </a:ln>
+          <a:effectLst/>
+        </p:spPr>
+        <p:style>
+          <a:lnRef idx="3">
+            <a:schemeClr val="lt1"/>
+          </a:lnRef>
+          <a:fillRef idx="1">
+            <a:schemeClr val="accent1"/>
+          </a:fillRef>
+          <a:effectRef idx="1">
+            <a:schemeClr val="accent1"/>
+          </a:effectRef>
+          <a:fontRef idx="minor">
+            <a:schemeClr val="lt1"/>
+          </a:fontRef>
+        </p:style>
+        <p:txBody>
+          <a:bodyPr anchor="ctr"/>
+          <a:lstStyle>
+            <a:extLst/>
+          </a:lstStyle>
+          <a:p>
+            <a:pPr algn="ctr" eaLnBrk="1" latinLnBrk="0" hangingPunct="1"/>
+            <a:endParaRPr kumimoji="0" lang="en-US"/>
+          </a:p>
+        </p:txBody>
+      </p:sp>
+      <p:sp>
+        <p:nvSpPr>
+          <p:cNvPr id="13" name="Title Placeholder 12"/>
+          <p:cNvSpPr>
+            <a:spLocks noGrp="1"/>
+          </p:cNvSpPr>
+          <p:nvPr>
+            <p:ph type="title"/>
+          </p:nvPr>
+        </p:nvSpPr>
+        <p:spPr>
+          <a:xfrm>
+            <a:off x="502920" y="4985590"/>
+            <a:ext cx="8183880" cy="1051560"/>
           </a:xfrm>
           <a:prstGeom prst="rect">
             <a:avLst/>
           </a:prstGeom>
         </p:spPr>
         <p:txBody>
-          <a:bodyPr vert="horz" lIns="91440" tIns="45720" rIns="91440" bIns="45720" rtlCol="0" anchor="ctr">
+          <a:bodyPr vert="horz" anchor="b">
             <a:normAutofit/>
           </a:bodyPr>
-          <a:lstStyle/>
-          <a:p>
-            <a:r>
-              <a:rPr lang="en-US" smtClean="0"/>
+          <a:lstStyle>
+            <a:extLst/>
+          </a:lstStyle>
+          <a:p>
+            <a:r>
+              <a:rPr kumimoji="0" lang="en-US" smtClean="0"/>
               <a:t>Click to edit Master title style</a:t>
             </a:r>
-            <a:endParaRPr lang="en-US"/>
-          </a:p>
-        </p:txBody>
-      </p:sp>
-      <p:sp>
-        <p:nvSpPr>
-          <p:cNvPr id="3" name="Text Placeholder 2"/>
+            <a:endParaRPr kumimoji="0" lang="en-US"/>
+          </a:p>
+        </p:txBody>
+      </p:sp>
+      <p:sp>
+        <p:nvSpPr>
+          <p:cNvPr id="4" name="Text Placeholder 3"/>
           <p:cNvSpPr>
             <a:spLocks noGrp="1"/>
           </p:cNvSpPr>
@@ -2580,59 +3360,61 @@
         </p:nvSpPr>
         <p:spPr>
           <a:xfrm>
-            <a:off x="457200" y="1600200"/>
-            <a:ext cx="8229600" cy="4525963"/>
+            <a:off x="502920" y="530352"/>
+            <a:ext cx="8183880" cy="4187952"/>
           </a:xfrm>
           <a:prstGeom prst="rect">
             <a:avLst/>
           </a:prstGeom>
         </p:spPr>
         <p:txBody>
-          <a:bodyPr vert="horz" lIns="91440" tIns="45720" rIns="91440" bIns="45720" rtlCol="0">
+          <a:bodyPr vert="horz" lIns="182880" tIns="91440">
             <a:normAutofit/>
           </a:bodyPr>
-          <a:lstStyle/>
-          <a:p>
-            <a:pPr lvl="0"/>
-            <a:r>
-              <a:rPr lang="en-US" smtClean="0"/>
+          <a:lstStyle>
+            <a:extLst/>
+          </a:lstStyle>
+          <a:p>
+            <a:pPr lvl="0" eaLnBrk="1" latinLnBrk="0" hangingPunct="1"/>
+            <a:r>
+              <a:rPr kumimoji="0" lang="en-US" smtClean="0"/>
               <a:t>Click to edit Master text styles</a:t>
             </a:r>
           </a:p>
           <a:p>
-            <a:pPr lvl="1"/>
-            <a:r>
-              <a:rPr lang="en-US" smtClean="0"/>
+            <a:pPr lvl="1" eaLnBrk="1" latinLnBrk="0" hangingPunct="1"/>
+            <a:r>
+              <a:rPr kumimoji="0" lang="en-US" smtClean="0"/>
               <a:t>Second level</a:t>
             </a:r>
           </a:p>
           <a:p>
-            <a:pPr lvl="2"/>
-            <a:r>
-              <a:rPr lang="en-US" smtClean="0"/>
+            <a:pPr lvl="2" eaLnBrk="1" latinLnBrk="0" hangingPunct="1"/>
+            <a:r>
+              <a:rPr kumimoji="0" lang="en-US" smtClean="0"/>
               <a:t>Third level</a:t>
             </a:r>
           </a:p>
           <a:p>
-            <a:pPr lvl="3"/>
-            <a:r>
-              <a:rPr lang="en-US" smtClean="0"/>
+            <a:pPr lvl="3" eaLnBrk="1" latinLnBrk="0" hangingPunct="1"/>
+            <a:r>
+              <a:rPr kumimoji="0" lang="en-US" smtClean="0"/>
               <a:t>Fourth level</a:t>
             </a:r>
           </a:p>
           <a:p>
-            <a:pPr lvl="4"/>
-            <a:r>
-              <a:rPr lang="en-US" smtClean="0"/>
+            <a:pPr lvl="4" eaLnBrk="1" latinLnBrk="0" hangingPunct="1"/>
+            <a:r>
+              <a:rPr kumimoji="0" lang="en-US" smtClean="0"/>
               <a:t>Fifth level</a:t>
             </a:r>
-            <a:endParaRPr lang="en-US"/>
-          </a:p>
-        </p:txBody>
-      </p:sp>
-      <p:sp>
-        <p:nvSpPr>
-          <p:cNvPr id="4" name="Date Placeholder 3"/>
+            <a:endParaRPr kumimoji="0" lang="en-US"/>
+          </a:p>
+        </p:txBody>
+      </p:sp>
+      <p:sp>
+        <p:nvSpPr>
+          <p:cNvPr id="25" name="Date Placeholder 24"/>
           <p:cNvSpPr>
             <a:spLocks noGrp="1"/>
           </p:cNvSpPr>
@@ -2642,30 +3424,32 @@
         </p:nvSpPr>
         <p:spPr>
           <a:xfrm>
-            <a:off x="457200" y="6356350"/>
-            <a:ext cx="2133600" cy="365125"/>
+            <a:off x="3776328" y="6111875"/>
+            <a:ext cx="2286000" cy="365125"/>
           </a:xfrm>
           <a:prstGeom prst="rect">
             <a:avLst/>
           </a:prstGeom>
         </p:spPr>
         <p:txBody>
-          <a:bodyPr vert="horz" lIns="91440" tIns="45720" rIns="91440" bIns="45720" rtlCol="0" anchor="ctr"/>
-          <a:lstStyle>
-            <a:lvl1pPr algn="l">
-              <a:defRPr sz="1200">
+          <a:bodyPr vert="horz" anchor="b"/>
+          <a:lstStyle>
+            <a:lvl1pPr algn="r" eaLnBrk="1" latinLnBrk="0" hangingPunct="1">
+              <a:defRPr kumimoji="0" sz="1000">
                 <a:solidFill>
-                  <a:schemeClr val="tx1">
-                    <a:tint val="75000"/>
+                  <a:schemeClr val="bg2">
+                    <a:shade val="50000"/>
                   </a:schemeClr>
                 </a:solidFill>
               </a:defRPr>
             </a:lvl1pPr>
+            <a:extLst/>
           </a:lstStyle>
           <a:p>
             <a:fld id="{D57FE7D9-EEF6-4C52-9426-8CFAAA401C52}" type="datetimeFigureOut">
               <a:rPr lang="en-US" smtClean="0"/>
-              <a:t>10/27/2009</a:t>
+              <a:pPr/>
+              <a:t>10/28/2009</a:t>
             </a:fld>
             <a:endParaRPr lang="en-US"/>
           </a:p>
@@ -2673,7 +3457,7 @@
       </p:sp>
       <p:sp>
         <p:nvSpPr>
-          <p:cNvPr id="5" name="Footer Placeholder 4"/>
+          <p:cNvPr id="18" name="Footer Placeholder 17"/>
           <p:cNvSpPr>
             <a:spLocks noGrp="1"/>
           </p:cNvSpPr>
@@ -2683,25 +3467,26 @@
         </p:nvSpPr>
         <p:spPr>
           <a:xfrm>
-            <a:off x="3124200" y="6356350"/>
-            <a:ext cx="2895600" cy="365125"/>
+            <a:off x="6062328" y="6111875"/>
+            <a:ext cx="2286000" cy="365125"/>
           </a:xfrm>
           <a:prstGeom prst="rect">
             <a:avLst/>
           </a:prstGeom>
         </p:spPr>
         <p:txBody>
-          <a:bodyPr vert="horz" lIns="91440" tIns="45720" rIns="91440" bIns="45720" rtlCol="0" anchor="ctr"/>
-          <a:lstStyle>
-            <a:lvl1pPr algn="ctr">
-              <a:defRPr sz="1200">
+          <a:bodyPr vert="horz" anchor="b"/>
+          <a:lstStyle>
+            <a:lvl1pPr algn="l" eaLnBrk="1" latinLnBrk="0" hangingPunct="1">
+              <a:defRPr kumimoji="0" sz="1000">
                 <a:solidFill>
-                  <a:schemeClr val="tx1">
-                    <a:tint val="75000"/>
+                  <a:schemeClr val="bg2">
+                    <a:shade val="50000"/>
                   </a:schemeClr>
                 </a:solidFill>
               </a:defRPr>
             </a:lvl1pPr>
+            <a:extLst/>
           </a:lstStyle>
           <a:p>
             <a:endParaRPr lang="en-US"/>
@@ -2710,7 +3495,7 @@
       </p:sp>
       <p:sp>
         <p:nvSpPr>
-          <p:cNvPr id="6" name="Slide Number Placeholder 5"/>
+          <p:cNvPr id="5" name="Slide Number Placeholder 4"/>
           <p:cNvSpPr>
             <a:spLocks noGrp="1"/>
           </p:cNvSpPr>
@@ -2720,29 +3505,31 @@
         </p:nvSpPr>
         <p:spPr>
           <a:xfrm>
-            <a:off x="6553200" y="6356350"/>
-            <a:ext cx="2133600" cy="365125"/>
+            <a:off x="8348328" y="6111875"/>
+            <a:ext cx="457200" cy="365125"/>
           </a:xfrm>
           <a:prstGeom prst="rect">
             <a:avLst/>
           </a:prstGeom>
         </p:spPr>
         <p:txBody>
-          <a:bodyPr vert="horz" lIns="91440" tIns="45720" rIns="91440" bIns="45720" rtlCol="0" anchor="ctr"/>
-          <a:lstStyle>
-            <a:lvl1pPr algn="r">
-              <a:defRPr sz="1200">
+          <a:bodyPr vert="horz" anchor="b"/>
+          <a:lstStyle>
+            <a:lvl1pPr algn="r" eaLnBrk="1" latinLnBrk="0" hangingPunct="1">
+              <a:defRPr kumimoji="0" sz="1000">
                 <a:solidFill>
-                  <a:schemeClr val="tx1">
-                    <a:tint val="75000"/>
+                  <a:schemeClr val="bg2">
+                    <a:shade val="50000"/>
                   </a:schemeClr>
                 </a:solidFill>
               </a:defRPr>
             </a:lvl1pPr>
+            <a:extLst/>
           </a:lstStyle>
           <a:p>
             <a:fld id="{348DBE1F-2912-458F-ADE3-82B5A8BED712}" type="slidenum">
               <a:rPr lang="en-US" smtClean="0"/>
+              <a:pPr/>
               <a:t>‹#›</a:t>
             </a:fld>
             <a:endParaRPr lang="en-US"/>
@@ -2753,43 +3540,245 @@
   </p:cSld>
   <p:clrMap bg1="lt1" tx1="dk1" bg2="lt2" tx2="dk2" accent1="accent1" accent2="accent2" accent3="accent3" accent4="accent4" accent5="accent5" accent6="accent6" hlink="hlink" folHlink="folHlink"/>
   <p:sldLayoutIdLst>
-    <p:sldLayoutId id="2147483649" r:id="rId1"/>
-    <p:sldLayoutId id="2147483650" r:id="rId2"/>
-    <p:sldLayoutId id="2147483651" r:id="rId3"/>
-    <p:sldLayoutId id="2147483652" r:id="rId4"/>
-    <p:sldLayoutId id="2147483653" r:id="rId5"/>
-    <p:sldLayoutId id="2147483654" r:id="rId6"/>
-    <p:sldLayoutId id="2147483655" r:id="rId7"/>
-    <p:sldLayoutId id="2147483656" r:id="rId8"/>
-    <p:sldLayoutId id="2147483657" r:id="rId9"/>
-    <p:sldLayoutId id="2147483658" r:id="rId10"/>
-    <p:sldLayoutId id="2147483659" r:id="rId11"/>
+    <p:sldLayoutId id="2147483661" r:id="rId1"/>
+    <p:sldLayoutId id="2147483662" r:id="rId2"/>
+    <p:sldLayoutId id="2147483663" r:id="rId3"/>
+    <p:sldLayoutId id="2147483664" r:id="rId4"/>
+    <p:sldLayoutId id="2147483665" r:id="rId5"/>
+    <p:sldLayoutId id="2147483666" r:id="rId6"/>
+    <p:sldLayoutId id="2147483667" r:id="rId7"/>
+    <p:sldLayoutId id="2147483668" r:id="rId8"/>
+    <p:sldLayoutId id="2147483669" r:id="rId9"/>
+    <p:sldLayoutId id="2147483670" r:id="rId10"/>
+    <p:sldLayoutId id="2147483671" r:id="rId11"/>
   </p:sldLayoutIdLst>
   <p:txStyles>
     <p:titleStyle>
-      <a:lvl1pPr algn="ctr" defTabSz="914400" rtl="0" eaLnBrk="1" latinLnBrk="0" hangingPunct="1">
+      <a:lvl1pPr algn="l" rtl="0" eaLnBrk="1" latinLnBrk="0" hangingPunct="1">
         <a:spcBef>
           <a:spcPct val="0"/>
         </a:spcBef>
         <a:buNone/>
-        <a:defRPr sz="4400" kern="1200">
+        <a:defRPr kumimoji="0" sz="3600" b="1" kern="1200">
           <a:solidFill>
-            <a:schemeClr val="tx1"/>
+            <a:schemeClr val="accent1">
+              <a:tint val="88000"/>
+              <a:satMod val="150000"/>
+            </a:schemeClr>
           </a:solidFill>
+          <a:effectLst>
+            <a:outerShdw blurRad="53975" dist="22860" dir="5400000" algn="tl" rotWithShape="0">
+              <a:srgbClr val="000000">
+                <a:alpha val="55000"/>
+              </a:srgbClr>
+            </a:outerShdw>
+          </a:effectLst>
           <a:latin typeface="+mj-lt"/>
           <a:ea typeface="+mj-ea"/>
           <a:cs typeface="+mj-cs"/>
         </a:defRPr>
       </a:lvl1pPr>
+      <a:extLst/>
     </p:titleStyle>
     <p:bodyStyle>
-      <a:lvl1pPr marL="342900" indent="-342900" algn="l" defTabSz="914400" rtl="0" eaLnBrk="1" latinLnBrk="0" hangingPunct="1">
+      <a:lvl1pPr marL="265176" indent="-265176" algn="l" rtl="0" eaLnBrk="1" latinLnBrk="0" hangingPunct="1">
         <a:spcBef>
-          <a:spcPct val="20000"/>
+          <a:spcPts val="250"/>
         </a:spcBef>
-        <a:buFont typeface="Arial" pitchFamily="34" charset="0"/>
-        <a:buChar char="•"/>
-        <a:defRPr sz="3200" kern="1200">
+        <a:buClr>
+          <a:schemeClr val="accent1"/>
+        </a:buClr>
+        <a:buSzPct val="80000"/>
+        <a:buFont typeface="Wingdings 2"/>
+        <a:buChar char=""/>
+        <a:defRPr kumimoji="0" sz="2800" kern="1200">
+          <a:solidFill>
+            <a:schemeClr val="tx1"/>
+          </a:solidFill>
+          <a:effectLst/>
+          <a:latin typeface="+mn-lt"/>
+          <a:ea typeface="+mn-ea"/>
+          <a:cs typeface="+mn-cs"/>
+        </a:defRPr>
+      </a:lvl1pPr>
+      <a:lvl2pPr marL="548640" indent="-201168" algn="l" rtl="0" eaLnBrk="1" latinLnBrk="0" hangingPunct="1">
+        <a:spcBef>
+          <a:spcPts val="250"/>
+        </a:spcBef>
+        <a:buClr>
+          <a:schemeClr val="accent1"/>
+        </a:buClr>
+        <a:buSzPct val="100000"/>
+        <a:buFont typeface="Verdana"/>
+        <a:buChar char="◦"/>
+        <a:defRPr kumimoji="0" sz="2400" kern="1200">
+          <a:solidFill>
+            <a:schemeClr val="tx1"/>
+          </a:solidFill>
+          <a:latin typeface="+mn-lt"/>
+          <a:ea typeface="+mn-ea"/>
+          <a:cs typeface="+mn-cs"/>
+        </a:defRPr>
+      </a:lvl2pPr>
+      <a:lvl3pPr marL="786384" indent="-182880" algn="l" rtl="0" eaLnBrk="1" latinLnBrk="0" hangingPunct="1">
+        <a:spcBef>
+          <a:spcPts val="250"/>
+        </a:spcBef>
+        <a:buClr>
+          <a:schemeClr val="accent2">
+            <a:tint val="85000"/>
+            <a:satMod val="285000"/>
+          </a:schemeClr>
+        </a:buClr>
+        <a:buSzPct val="100000"/>
+        <a:buFont typeface="Wingdings 2"/>
+        <a:buChar char=""/>
+        <a:defRPr kumimoji="0" sz="2200" kern="1200">
+          <a:solidFill>
+            <a:schemeClr val="tx1"/>
+          </a:solidFill>
+          <a:latin typeface="+mn-lt"/>
+          <a:ea typeface="+mn-ea"/>
+          <a:cs typeface="+mn-cs"/>
+        </a:defRPr>
+      </a:lvl3pPr>
+      <a:lvl4pPr marL="1024128" indent="-182880" algn="l" rtl="0" eaLnBrk="1" latinLnBrk="0" hangingPunct="1">
+        <a:spcBef>
+          <a:spcPts val="230"/>
+        </a:spcBef>
+        <a:buClr>
+          <a:schemeClr val="accent2">
+            <a:tint val="85000"/>
+            <a:satMod val="285000"/>
+          </a:schemeClr>
+        </a:buClr>
+        <a:buSzPct val="112000"/>
+        <a:buFont typeface="Verdana"/>
+        <a:buChar char="◦"/>
+        <a:defRPr kumimoji="0" sz="1900" kern="1200">
+          <a:solidFill>
+            <a:schemeClr val="tx1"/>
+          </a:solidFill>
+          <a:latin typeface="+mn-lt"/>
+          <a:ea typeface="+mn-ea"/>
+          <a:cs typeface="+mn-cs"/>
+        </a:defRPr>
+      </a:lvl4pPr>
+      <a:lvl5pPr marL="1280160" indent="-182880" algn="l" rtl="0" eaLnBrk="1" latinLnBrk="0" hangingPunct="1">
+        <a:spcBef>
+          <a:spcPts val="250"/>
+        </a:spcBef>
+        <a:buClr>
+          <a:schemeClr val="accent3">
+            <a:tint val="85000"/>
+            <a:satMod val="275000"/>
+          </a:schemeClr>
+        </a:buClr>
+        <a:buSzPct val="100000"/>
+        <a:buFont typeface="Wingdings 2"/>
+        <a:buChar char=""/>
+        <a:defRPr kumimoji="0" sz="1800" kern="1200">
+          <a:solidFill>
+            <a:schemeClr val="tx1"/>
+          </a:solidFill>
+          <a:latin typeface="+mn-lt"/>
+          <a:ea typeface="+mn-ea"/>
+          <a:cs typeface="+mn-cs"/>
+        </a:defRPr>
+      </a:lvl5pPr>
+      <a:lvl6pPr marL="1490472" indent="-182880" algn="l" rtl="0" eaLnBrk="1" latinLnBrk="0" hangingPunct="1">
+        <a:spcBef>
+          <a:spcPts val="250"/>
+        </a:spcBef>
+        <a:buClr>
+          <a:schemeClr val="accent3">
+            <a:tint val="85000"/>
+            <a:satMod val="275000"/>
+          </a:schemeClr>
+        </a:buClr>
+        <a:buSzPct val="100000"/>
+        <a:buFont typeface="Verdana"/>
+        <a:buChar char="◦"/>
+        <a:defRPr kumimoji="0" sz="1700" kern="1200" baseline="0">
+          <a:solidFill>
+            <a:schemeClr val="tx1"/>
+          </a:solidFill>
+          <a:latin typeface="+mn-lt"/>
+          <a:ea typeface="+mn-ea"/>
+          <a:cs typeface="+mn-cs"/>
+        </a:defRPr>
+      </a:lvl6pPr>
+      <a:lvl7pPr marL="1700784" indent="-182880" algn="l" rtl="0" eaLnBrk="1" latinLnBrk="0" hangingPunct="1">
+        <a:spcBef>
+          <a:spcPts val="255"/>
+        </a:spcBef>
+        <a:buClr>
+          <a:schemeClr val="accent3">
+            <a:tint val="85000"/>
+            <a:satMod val="275000"/>
+          </a:schemeClr>
+        </a:buClr>
+        <a:buSzPct val="100000"/>
+        <a:buFont typeface="Wingdings 2"/>
+        <a:buChar char=""/>
+        <a:defRPr kumimoji="0" sz="1500" kern="1200">
+          <a:solidFill>
+            <a:schemeClr val="tx1"/>
+          </a:solidFill>
+          <a:latin typeface="+mn-lt"/>
+          <a:ea typeface="+mn-ea"/>
+          <a:cs typeface="+mn-cs"/>
+        </a:defRPr>
+      </a:lvl7pPr>
+      <a:lvl8pPr marL="1920240" indent="-182880" algn="l" rtl="0" eaLnBrk="1" latinLnBrk="0" hangingPunct="1">
+        <a:spcBef>
+          <a:spcPts val="257"/>
+        </a:spcBef>
+        <a:buClr>
+          <a:schemeClr val="accent3">
+            <a:tint val="85000"/>
+            <a:satMod val="275000"/>
+          </a:schemeClr>
+        </a:buClr>
+        <a:buSzPct val="100000"/>
+        <a:buFont typeface="Verdana"/>
+        <a:buChar char="◦"/>
+        <a:defRPr kumimoji="0" sz="1500" kern="1200" baseline="0">
+          <a:solidFill>
+            <a:schemeClr val="tx1"/>
+          </a:solidFill>
+          <a:latin typeface="+mn-lt"/>
+          <a:ea typeface="+mn-ea"/>
+          <a:cs typeface="+mn-cs"/>
+        </a:defRPr>
+      </a:lvl8pPr>
+      <a:lvl9pPr marL="2148840" indent="-182880" algn="l" rtl="0" eaLnBrk="1" latinLnBrk="0" hangingPunct="1">
+        <a:spcBef>
+          <a:spcPts val="255"/>
+        </a:spcBef>
+        <a:buClr>
+          <a:schemeClr val="accent3">
+            <a:tint val="85000"/>
+            <a:satMod val="275000"/>
+          </a:schemeClr>
+        </a:buClr>
+        <a:buSzPct val="100000"/>
+        <a:buFont typeface="Wingdings 2"/>
+        <a:buChar char=""/>
+        <a:defRPr kumimoji="0" sz="1500" kern="1200">
+          <a:solidFill>
+            <a:schemeClr val="tx1"/>
+          </a:solidFill>
+          <a:latin typeface="+mn-lt"/>
+          <a:ea typeface="+mn-ea"/>
+          <a:cs typeface="+mn-cs"/>
+        </a:defRPr>
+      </a:lvl9pPr>
+      <a:extLst/>
+    </p:bodyStyle>
+    <p:otherStyle>
+      <a:lvl1pPr marL="0" algn="l" rtl="0" eaLnBrk="1" latinLnBrk="0" hangingPunct="1">
+        <a:defRPr kumimoji="0" kern="1200">
           <a:solidFill>
             <a:schemeClr val="tx1"/>
           </a:solidFill>
@@ -2798,13 +3787,8 @@
           <a:cs typeface="+mn-cs"/>
         </a:defRPr>
       </a:lvl1pPr>
-      <a:lvl2pPr marL="742950" indent="-285750" algn="l" defTabSz="914400" rtl="0" eaLnBrk="1" latinLnBrk="0" hangingPunct="1">
-        <a:spcBef>
-          <a:spcPct val="20000"/>
-        </a:spcBef>
-        <a:buFont typeface="Arial" pitchFamily="34" charset="0"/>
-        <a:buChar char="–"/>
-        <a:defRPr sz="2800" kern="1200">
+      <a:lvl2pPr marL="457200" algn="l" rtl="0" eaLnBrk="1" latinLnBrk="0" hangingPunct="1">
+        <a:defRPr kumimoji="0" kern="1200">
           <a:solidFill>
             <a:schemeClr val="tx1"/>
           </a:solidFill>
@@ -2813,13 +3797,8 @@
           <a:cs typeface="+mn-cs"/>
         </a:defRPr>
       </a:lvl2pPr>
-      <a:lvl3pPr marL="1143000" indent="-228600" algn="l" defTabSz="914400" rtl="0" eaLnBrk="1" latinLnBrk="0" hangingPunct="1">
-        <a:spcBef>
-          <a:spcPct val="20000"/>
-        </a:spcBef>
-        <a:buFont typeface="Arial" pitchFamily="34" charset="0"/>
-        <a:buChar char="•"/>
-        <a:defRPr sz="2400" kern="1200">
+      <a:lvl3pPr marL="914400" algn="l" rtl="0" eaLnBrk="1" latinLnBrk="0" hangingPunct="1">
+        <a:defRPr kumimoji="0" kern="1200">
           <a:solidFill>
             <a:schemeClr val="tx1"/>
           </a:solidFill>
@@ -2828,13 +3807,8 @@
           <a:cs typeface="+mn-cs"/>
         </a:defRPr>
       </a:lvl3pPr>
-      <a:lvl4pPr marL="1600200" indent="-228600" algn="l" defTabSz="914400" rtl="0" eaLnBrk="1" latinLnBrk="0" hangingPunct="1">
-        <a:spcBef>
-          <a:spcPct val="20000"/>
-        </a:spcBef>
-        <a:buFont typeface="Arial" pitchFamily="34" charset="0"/>
-        <a:buChar char="–"/>
-        <a:defRPr sz="2000" kern="1200">
+      <a:lvl4pPr marL="1371600" algn="l" rtl="0" eaLnBrk="1" latinLnBrk="0" hangingPunct="1">
+        <a:defRPr kumimoji="0" kern="1200">
           <a:solidFill>
             <a:schemeClr val="tx1"/>
           </a:solidFill>
@@ -2843,13 +3817,8 @@
           <a:cs typeface="+mn-cs"/>
         </a:defRPr>
       </a:lvl4pPr>
-      <a:lvl5pPr marL="2057400" indent="-228600" algn="l" defTabSz="914400" rtl="0" eaLnBrk="1" latinLnBrk="0" hangingPunct="1">
-        <a:spcBef>
-          <a:spcPct val="20000"/>
-        </a:spcBef>
-        <a:buFont typeface="Arial" pitchFamily="34" charset="0"/>
-        <a:buChar char="»"/>
-        <a:defRPr sz="2000" kern="1200">
+      <a:lvl5pPr marL="1828800" algn="l" rtl="0" eaLnBrk="1" latinLnBrk="0" hangingPunct="1">
+        <a:defRPr kumimoji="0" kern="1200">
           <a:solidFill>
             <a:schemeClr val="tx1"/>
           </a:solidFill>
@@ -2858,13 +3827,8 @@
           <a:cs typeface="+mn-cs"/>
         </a:defRPr>
       </a:lvl5pPr>
-      <a:lvl6pPr marL="2514600" indent="-228600" algn="l" defTabSz="914400" rtl="0" eaLnBrk="1" latinLnBrk="0" hangingPunct="1">
-        <a:spcBef>
-          <a:spcPct val="20000"/>
-        </a:spcBef>
-        <a:buFont typeface="Arial" pitchFamily="34" charset="0"/>
-        <a:buChar char="•"/>
-        <a:defRPr sz="2000" kern="1200">
+      <a:lvl6pPr marL="2286000" algn="l" rtl="0" eaLnBrk="1" latinLnBrk="0" hangingPunct="1">
+        <a:defRPr kumimoji="0" kern="1200">
           <a:solidFill>
             <a:schemeClr val="tx1"/>
           </a:solidFill>
@@ -2873,13 +3837,8 @@
           <a:cs typeface="+mn-cs"/>
         </a:defRPr>
       </a:lvl6pPr>
-      <a:lvl7pPr marL="2971800" indent="-228600" algn="l" defTabSz="914400" rtl="0" eaLnBrk="1" latinLnBrk="0" hangingPunct="1">
-        <a:spcBef>
-          <a:spcPct val="20000"/>
-        </a:spcBef>
-        <a:buFont typeface="Arial" pitchFamily="34" charset="0"/>
-        <a:buChar char="•"/>
-        <a:defRPr sz="2000" kern="1200">
+      <a:lvl7pPr marL="2743200" algn="l" rtl="0" eaLnBrk="1" latinLnBrk="0" hangingPunct="1">
+        <a:defRPr kumimoji="0" kern="1200">
           <a:solidFill>
             <a:schemeClr val="tx1"/>
           </a:solidFill>
@@ -2888,13 +3847,8 @@
           <a:cs typeface="+mn-cs"/>
         </a:defRPr>
       </a:lvl7pPr>
-      <a:lvl8pPr marL="3429000" indent="-228600" algn="l" defTabSz="914400" rtl="0" eaLnBrk="1" latinLnBrk="0" hangingPunct="1">
-        <a:spcBef>
-          <a:spcPct val="20000"/>
-        </a:spcBef>
-        <a:buFont typeface="Arial" pitchFamily="34" charset="0"/>
-        <a:buChar char="•"/>
-        <a:defRPr sz="2000" kern="1200">
+      <a:lvl8pPr marL="3200400" algn="l" rtl="0" eaLnBrk="1" latinLnBrk="0" hangingPunct="1">
+        <a:defRPr kumimoji="0" kern="1200">
           <a:solidFill>
             <a:schemeClr val="tx1"/>
           </a:solidFill>
@@ -2903,13 +3857,8 @@
           <a:cs typeface="+mn-cs"/>
         </a:defRPr>
       </a:lvl8pPr>
-      <a:lvl9pPr marL="3886200" indent="-228600" algn="l" defTabSz="914400" rtl="0" eaLnBrk="1" latinLnBrk="0" hangingPunct="1">
-        <a:spcBef>
-          <a:spcPct val="20000"/>
-        </a:spcBef>
-        <a:buFont typeface="Arial" pitchFamily="34" charset="0"/>
-        <a:buChar char="•"/>
-        <a:defRPr sz="2000" kern="1200">
+      <a:lvl9pPr marL="3657600" algn="l" rtl="0" eaLnBrk="1" latinLnBrk="0" hangingPunct="1">
+        <a:defRPr kumimoji="0" kern="1200">
           <a:solidFill>
             <a:schemeClr val="tx1"/>
           </a:solidFill>
@@ -2918,101 +3867,7 @@
           <a:cs typeface="+mn-cs"/>
         </a:defRPr>
       </a:lvl9pPr>
-    </p:bodyStyle>
-    <p:otherStyle>
-      <a:defPPr>
-        <a:defRPr lang="en-US"/>
-      </a:defPPr>
-      <a:lvl1pPr marL="0" algn="l" defTabSz="914400" rtl="0" eaLnBrk="1" latinLnBrk="0" hangingPunct="1">
-        <a:defRPr sz="1800" kern="1200">
-          <a:solidFill>
-            <a:schemeClr val="tx1"/>
-          </a:solidFill>
-          <a:latin typeface="+mn-lt"/>
-          <a:ea typeface="+mn-ea"/>
-          <a:cs typeface="+mn-cs"/>
-        </a:defRPr>
-      </a:lvl1pPr>
-      <a:lvl2pPr marL="457200" algn="l" defTabSz="914400" rtl="0" eaLnBrk="1" latinLnBrk="0" hangingPunct="1">
-        <a:defRPr sz="1800" kern="1200">
-          <a:solidFill>
-            <a:schemeClr val="tx1"/>
-          </a:solidFill>
-          <a:latin typeface="+mn-lt"/>
-          <a:ea typeface="+mn-ea"/>
-          <a:cs typeface="+mn-cs"/>
-        </a:defRPr>
-      </a:lvl2pPr>
-      <a:lvl3pPr marL="914400" algn="l" defTabSz="914400" rtl="0" eaLnBrk="1" latinLnBrk="0" hangingPunct="1">
-        <a:defRPr sz="1800" kern="1200">
-          <a:solidFill>
-            <a:schemeClr val="tx1"/>
-          </a:solidFill>
-          <a:latin typeface="+mn-lt"/>
-          <a:ea typeface="+mn-ea"/>
-          <a:cs typeface="+mn-cs"/>
-        </a:defRPr>
-      </a:lvl3pPr>
-      <a:lvl4pPr marL="1371600" algn="l" defTabSz="914400" rtl="0" eaLnBrk="1" latinLnBrk="0" hangingPunct="1">
-        <a:defRPr sz="1800" kern="1200">
-          <a:solidFill>
-            <a:schemeClr val="tx1"/>
-          </a:solidFill>
-          <a:latin typeface="+mn-lt"/>
-          <a:ea typeface="+mn-ea"/>
-          <a:cs typeface="+mn-cs"/>
-        </a:defRPr>
-      </a:lvl4pPr>
-      <a:lvl5pPr marL="1828800" algn="l" defTabSz="914400" rtl="0" eaLnBrk="1" latinLnBrk="0" hangingPunct="1">
-        <a:defRPr sz="1800" kern="1200">
-          <a:solidFill>
-            <a:schemeClr val="tx1"/>
-          </a:solidFill>
-          <a:latin typeface="+mn-lt"/>
-          <a:ea typeface="+mn-ea"/>
-          <a:cs typeface="+mn-cs"/>
-        </a:defRPr>
-      </a:lvl5pPr>
-      <a:lvl6pPr marL="2286000" algn="l" defTabSz="914400" rtl="0" eaLnBrk="1" latinLnBrk="0" hangingPunct="1">
-        <a:defRPr sz="1800" kern="1200">
-          <a:solidFill>
-            <a:schemeClr val="tx1"/>
-          </a:solidFill>
-          <a:latin typeface="+mn-lt"/>
-          <a:ea typeface="+mn-ea"/>
-          <a:cs typeface="+mn-cs"/>
-        </a:defRPr>
-      </a:lvl6pPr>
-      <a:lvl7pPr marL="2743200" algn="l" defTabSz="914400" rtl="0" eaLnBrk="1" latinLnBrk="0" hangingPunct="1">
-        <a:defRPr sz="1800" kern="1200">
-          <a:solidFill>
-            <a:schemeClr val="tx1"/>
-          </a:solidFill>
-          <a:latin typeface="+mn-lt"/>
-          <a:ea typeface="+mn-ea"/>
-          <a:cs typeface="+mn-cs"/>
-        </a:defRPr>
-      </a:lvl7pPr>
-      <a:lvl8pPr marL="3200400" algn="l" defTabSz="914400" rtl="0" eaLnBrk="1" latinLnBrk="0" hangingPunct="1">
-        <a:defRPr sz="1800" kern="1200">
-          <a:solidFill>
-            <a:schemeClr val="tx1"/>
-          </a:solidFill>
-          <a:latin typeface="+mn-lt"/>
-          <a:ea typeface="+mn-ea"/>
-          <a:cs typeface="+mn-cs"/>
-        </a:defRPr>
-      </a:lvl8pPr>
-      <a:lvl9pPr marL="3657600" algn="l" defTabSz="914400" rtl="0" eaLnBrk="1" latinLnBrk="0" hangingPunct="1">
-        <a:defRPr sz="1800" kern="1200">
-          <a:solidFill>
-            <a:schemeClr val="tx1"/>
-          </a:solidFill>
-          <a:latin typeface="+mn-lt"/>
-          <a:ea typeface="+mn-ea"/>
-          <a:cs typeface="+mn-cs"/>
-        </a:defRPr>
-      </a:lvl9pPr>
+      <a:extLst/>
     </p:otherStyle>
   </p:txStyles>
 </p:sldMaster>
@@ -3089,10 +3944,64 @@
 </p:sld>
 </file>
 
+<file path=ppt/slides/slide2.xml><?xml version="1.0" encoding="utf-8"?>
+<p:sld xmlns:a="http://schemas.openxmlformats.org/drawingml/2006/main" xmlns:r="http://schemas.openxmlformats.org/officeDocument/2006/relationships" xmlns:p="http://schemas.openxmlformats.org/presentationml/2006/main">
+  <p:cSld>
+    <p:spTree>
+      <p:nvGrpSpPr>
+        <p:cNvPr id="1" name=""/>
+        <p:cNvGrpSpPr/>
+        <p:nvPr/>
+      </p:nvGrpSpPr>
+      <p:grpSpPr>
+        <a:xfrm>
+          <a:off x="0" y="0"/>
+          <a:ext cx="0" cy="0"/>
+          <a:chOff x="0" y="0"/>
+          <a:chExt cx="0" cy="0"/>
+        </a:xfrm>
+      </p:grpSpPr>
+      <p:sp>
+        <p:nvSpPr>
+          <p:cNvPr id="2" name="Title 1"/>
+          <p:cNvSpPr>
+            <a:spLocks noGrp="1"/>
+          </p:cNvSpPr>
+          <p:nvPr>
+            <p:ph type="title"/>
+          </p:nvPr>
+        </p:nvSpPr>
+        <p:spPr>
+          <a:xfrm>
+            <a:off x="533400" y="457200"/>
+            <a:ext cx="8183880" cy="1051560"/>
+          </a:xfrm>
+        </p:spPr>
+        <p:txBody>
+          <a:bodyPr/>
+          <a:lstStyle/>
+          <a:p>
+            <a:pPr algn="ctr"/>
+            <a:r>
+              <a:rPr lang="en-US" dirty="0" smtClean="0"/>
+              <a:t>Test</a:t>
+            </a:r>
+            <a:endParaRPr lang="en-US" dirty="0"/>
+          </a:p>
+        </p:txBody>
+      </p:sp>
+    </p:spTree>
+  </p:cSld>
+  <p:clrMapOvr>
+    <a:masterClrMapping/>
+  </p:clrMapOvr>
+</p:sld>
+</file>
+
 <file path=ppt/theme/theme1.xml><?xml version="1.0" encoding="utf-8"?>
-<a:theme xmlns:a="http://schemas.openxmlformats.org/drawingml/2006/main" name="Office Theme">
+<a:theme xmlns:a="http://schemas.openxmlformats.org/drawingml/2006/main" name="Aspect">
   <a:themeElements>
-    <a:clrScheme name="Office">
+    <a:clrScheme name="Aspect">
       <a:dk1>
         <a:sysClr val="windowText" lastClr="000000"/>
       </a:dk1>
@@ -3100,82 +4009,48 @@
         <a:sysClr val="window" lastClr="FFFFFF"/>
       </a:lt1>
       <a:dk2>
-        <a:srgbClr val="1F497D"/>
+        <a:srgbClr val="323232"/>
       </a:dk2>
       <a:lt2>
-        <a:srgbClr val="EEECE1"/>
+        <a:srgbClr val="E3DED1"/>
       </a:lt2>
       <a:accent1>
-        <a:srgbClr val="4F81BD"/>
+        <a:srgbClr val="F07F09"/>
       </a:accent1>
       <a:accent2>
-        <a:srgbClr val="C0504D"/>
+        <a:srgbClr val="9F2936"/>
       </a:accent2>
       <a:accent3>
-        <a:srgbClr val="9BBB59"/>
+        <a:srgbClr val="1B587C"/>
       </a:accent3>
       <a:accent4>
-        <a:srgbClr val="8064A2"/>
+        <a:srgbClr val="4E8542"/>
       </a:accent4>
       <a:accent5>
-        <a:srgbClr val="4BACC6"/>
+        <a:srgbClr val="604878"/>
       </a:accent5>
       <a:accent6>
-        <a:srgbClr val="F79646"/>
+        <a:srgbClr val="C19859"/>
       </a:accent6>
       <a:hlink>
-        <a:srgbClr val="0000FF"/>
+        <a:srgbClr val="6B9F25"/>
       </a:hlink>
       <a:folHlink>
-        <a:srgbClr val="800080"/>
+        <a:srgbClr val="B26B02"/>
       </a:folHlink>
     </a:clrScheme>
-    <a:fontScheme name="Office">
+    <a:fontScheme name="Aspect">
       <a:majorFont>
-        <a:latin typeface="Calibri"/>
+        <a:latin typeface="Verdana"/>
         <a:ea typeface=""/>
         <a:cs typeface=""/>
-        <a:font script="Jpan" typeface="ＭＳ Ｐゴシック"/>
-        <a:font script="Hang" typeface="맑은 고딕"/>
-        <a:font script="Hans" typeface="宋体"/>
-        <a:font script="Hant" typeface="新細明體"/>
-        <a:font script="Arab" typeface="Times New Roman"/>
-        <a:font script="Hebr" typeface="Times New Roman"/>
-        <a:font script="Thai" typeface="Angsana New"/>
-        <a:font script="Ethi" typeface="Nyala"/>
-        <a:font script="Beng" typeface="Vrinda"/>
-        <a:font script="Gujr" typeface="Shruti"/>
-        <a:font script="Khmr" typeface="MoolBoran"/>
-        <a:font script="Knda" typeface="Tunga"/>
-        <a:font script="Guru" typeface="Raavi"/>
-        <a:font script="Cans" typeface="Euphemia"/>
-        <a:font script="Cher" typeface="Plantagenet Cherokee"/>
-        <a:font script="Yiii" typeface="Microsoft Yi Baiti"/>
-        <a:font script="Tibt" typeface="Microsoft Himalaya"/>
-        <a:font script="Thaa" typeface="MV Boli"/>
-        <a:font script="Deva" typeface="Mangal"/>
-        <a:font script="Telu" typeface="Gautami"/>
-        <a:font script="Taml" typeface="Latha"/>
-        <a:font script="Syrc" typeface="Estrangelo Edessa"/>
-        <a:font script="Orya" typeface="Kalinga"/>
-        <a:font script="Mlym" typeface="Kartika"/>
-        <a:font script="Laoo" typeface="DokChampa"/>
-        <a:font script="Sinh" typeface="Iskoola Pota"/>
-        <a:font script="Mong" typeface="Mongolian Baiti"/>
-        <a:font script="Viet" typeface="Times New Roman"/>
-        <a:font script="Uigh" typeface="Microsoft Uighur"/>
-      </a:majorFont>
-      <a:minorFont>
-        <a:latin typeface="Calibri"/>
-        <a:ea typeface=""/>
-        <a:cs typeface=""/>
-        <a:font script="Jpan" typeface="ＭＳ Ｐゴシック"/>
-        <a:font script="Hang" typeface="맑은 고딕"/>
-        <a:font script="Hans" typeface="宋体"/>
-        <a:font script="Hant" typeface="新細明體"/>
-        <a:font script="Arab" typeface="Arial"/>
-        <a:font script="Hebr" typeface="Arial"/>
-        <a:font script="Thai" typeface="Cordia New"/>
+        <a:font script="Jpan" typeface="ＭＳ ゴシック"/>
+        <a:font script="Hang" typeface="굴림"/>
+        <a:font script="Hans" typeface="微软雅黑"/>
+        <a:font script="Hant" typeface="微軟正黑體"/>
+        <a:font script="Arab" typeface="Tahoma"/>
+        <a:font script="Hebr" typeface="Tahoma"/>
+        <a:font script="Thai" typeface="FreesiaUPC"/>
         <a:font script="Ethi" typeface="Nyala"/>
         <a:font script="Beng" typeface="Vrinda"/>
         <a:font script="Gujr" typeface="Shruti"/>
@@ -3196,11 +4071,45 @@
         <a:font script="Laoo" typeface="DokChampa"/>
         <a:font script="Sinh" typeface="Iskoola Pota"/>
         <a:font script="Mong" typeface="Mongolian Baiti"/>
-        <a:font script="Viet" typeface="Arial"/>
+        <a:font script="Viet" typeface="Verdana"/>
+        <a:font script="Uigh" typeface="Microsoft Uighur"/>
+      </a:majorFont>
+      <a:minorFont>
+        <a:latin typeface="Verdana"/>
+        <a:ea typeface=""/>
+        <a:cs typeface=""/>
+        <a:font script="Jpan" typeface="ＭＳ ゴシック"/>
+        <a:font script="Hang" typeface="굴림"/>
+        <a:font script="Hans" typeface="微软雅黑"/>
+        <a:font script="Hant" typeface="微軟正黑體"/>
+        <a:font script="Arab" typeface="Tahoma"/>
+        <a:font script="Hebr" typeface="Tahoma"/>
+        <a:font script="Thai" typeface="FreesiaUPC"/>
+        <a:font script="Ethi" typeface="Nyala"/>
+        <a:font script="Beng" typeface="Vrinda"/>
+        <a:font script="Gujr" typeface="Shruti"/>
+        <a:font script="Khmr" typeface="DaunPenh"/>
+        <a:font script="Knda" typeface="Tunga"/>
+        <a:font script="Guru" typeface="Raavi"/>
+        <a:font script="Cans" typeface="Euphemia"/>
+        <a:font script="Cher" typeface="Plantagenet Cherokee"/>
+        <a:font script="Yiii" typeface="Microsoft Yi Baiti"/>
+        <a:font script="Tibt" typeface="Microsoft Himalaya"/>
+        <a:font script="Thaa" typeface="MV Boli"/>
+        <a:font script="Deva" typeface="Mangal"/>
+        <a:font script="Telu" typeface="Gautami"/>
+        <a:font script="Taml" typeface="Latha"/>
+        <a:font script="Syrc" typeface="Estrangelo Edessa"/>
+        <a:font script="Orya" typeface="Kalinga"/>
+        <a:font script="Mlym" typeface="Kartika"/>
+        <a:font script="Laoo" typeface="DokChampa"/>
+        <a:font script="Sinh" typeface="Iskoola Pota"/>
+        <a:font script="Mong" typeface="Mongolian Baiti"/>
+        <a:font script="Viet" typeface="Verdana"/>
         <a:font script="Uigh" typeface="Microsoft Uighur"/>
       </a:minorFont>
     </a:fontScheme>
-    <a:fmtScheme name="Office">
+    <a:fmtScheme name="Aspect">
       <a:fillStyleLst>
         <a:solidFill>
           <a:schemeClr val="phClr"/>
@@ -3209,20 +4118,20 @@
           <a:gsLst>
             <a:gs pos="0">
               <a:schemeClr val="phClr">
-                <a:tint val="50000"/>
-                <a:satMod val="300000"/>
+                <a:tint val="65000"/>
+                <a:satMod val="270000"/>
               </a:schemeClr>
             </a:gs>
-            <a:gs pos="35000">
+            <a:gs pos="25000">
               <a:schemeClr val="phClr">
-                <a:tint val="37000"/>
+                <a:tint val="60000"/>
                 <a:satMod val="300000"/>
               </a:schemeClr>
             </a:gs>
             <a:gs pos="100000">
               <a:schemeClr val="phClr">
-                <a:tint val="15000"/>
-                <a:satMod val="350000"/>
+                <a:tint val="29000"/>
+                <a:satMod val="400000"/>
               </a:schemeClr>
             </a:gs>
           </a:gsLst>
@@ -3232,20 +4141,20 @@
           <a:gsLst>
             <a:gs pos="0">
               <a:schemeClr val="phClr">
-                <a:shade val="51000"/>
-                <a:satMod val="130000"/>
+                <a:shade val="45000"/>
+                <a:satMod val="155000"/>
               </a:schemeClr>
             </a:gs>
-            <a:gs pos="80000">
+            <a:gs pos="60000">
               <a:schemeClr val="phClr">
-                <a:shade val="93000"/>
-                <a:satMod val="130000"/>
+                <a:shade val="95000"/>
+                <a:satMod val="150000"/>
               </a:schemeClr>
             </a:gs>
             <a:gs pos="100000">
               <a:schemeClr val="phClr">
-                <a:shade val="94000"/>
-                <a:satMod val="135000"/>
+                <a:tint val="87000"/>
+                <a:satMod val="250000"/>
               </a:schemeClr>
             </a:gs>
           </a:gsLst>
@@ -3256,13 +4165,12 @@
         <a:ln w="9525" cap="flat" cmpd="sng" algn="ctr">
           <a:solidFill>
             <a:schemeClr val="phClr">
-              <a:shade val="95000"/>
-              <a:satMod val="105000"/>
+              <a:satMod val="150000"/>
             </a:schemeClr>
           </a:solidFill>
           <a:prstDash val="solid"/>
         </a:ln>
-        <a:ln w="25400" cap="flat" cmpd="sng" algn="ctr">
+        <a:ln w="42500" cap="flat" cmpd="sng" algn="ctr">
           <a:solidFill>
             <a:schemeClr val="phClr"/>
           </a:solidFill>
@@ -3278,40 +4186,40 @@
       <a:effectStyleLst>
         <a:effectStyle>
           <a:effectLst>
-            <a:outerShdw blurRad="40000" dist="20000" dir="5400000" rotWithShape="0">
+            <a:outerShdw blurRad="65500" dist="38100" dir="5400000" rotWithShape="0">
               <a:srgbClr val="000000">
-                <a:alpha val="38000"/>
+                <a:alpha val="40000"/>
               </a:srgbClr>
             </a:outerShdw>
           </a:effectLst>
         </a:effectStyle>
         <a:effectStyle>
           <a:effectLst>
-            <a:outerShdw blurRad="40000" dist="23000" dir="5400000" rotWithShape="0">
+            <a:outerShdw blurRad="65500" dist="38100" dir="5400000" rotWithShape="0">
               <a:srgbClr val="000000">
-                <a:alpha val="35000"/>
+                <a:alpha val="40000"/>
               </a:srgbClr>
             </a:outerShdw>
           </a:effectLst>
         </a:effectStyle>
         <a:effectStyle>
           <a:effectLst>
-            <a:outerShdw blurRad="40000" dist="23000" dir="5400000" rotWithShape="0">
+            <a:outerShdw blurRad="65500" dist="38100" dir="5400000" rotWithShape="0">
               <a:srgbClr val="000000">
-                <a:alpha val="35000"/>
+                <a:alpha val="40000"/>
               </a:srgbClr>
             </a:outerShdw>
           </a:effectLst>
           <a:scene3d>
-            <a:camera prst="orthographicFront">
+            <a:camera prst="orthographicFront" fov="0">
               <a:rot lat="0" lon="0" rev="0"/>
             </a:camera>
-            <a:lightRig rig="threePt" dir="t">
-              <a:rot lat="0" lon="0" rev="1200000"/>
+            <a:lightRig rig="contrasting" dir="t">
+              <a:rot lat="0" lon="0" rev="12000000"/>
             </a:lightRig>
           </a:scene3d>
-          <a:sp3d>
-            <a:bevelT w="63500" h="25400"/>
+          <a:sp3d prstMaterial="powder">
+            <a:bevelT h="50800"/>
           </a:sp3d>
         </a:effectStyle>
       </a:effectStyleLst>
@@ -3323,47 +4231,40 @@
           <a:gsLst>
             <a:gs pos="0">
               <a:schemeClr val="phClr">
-                <a:tint val="40000"/>
-                <a:satMod val="350000"/>
+                <a:shade val="35000"/>
+                <a:satMod val="150000"/>
               </a:schemeClr>
             </a:gs>
-            <a:gs pos="40000">
+            <a:gs pos="45000">
               <a:schemeClr val="phClr">
-                <a:tint val="45000"/>
-                <a:shade val="99000"/>
-                <a:satMod val="350000"/>
+                <a:shade val="68000"/>
+                <a:satMod val="155000"/>
               </a:schemeClr>
             </a:gs>
             <a:gs pos="100000">
               <a:schemeClr val="phClr">
-                <a:shade val="20000"/>
-                <a:satMod val="255000"/>
+                <a:tint val="70000"/>
+                <a:satMod val="175000"/>
               </a:schemeClr>
             </a:gs>
           </a:gsLst>
-          <a:path path="circle">
-            <a:fillToRect l="50000" t="-80000" r="50000" b="180000"/>
-          </a:path>
+          <a:lin ang="16200000" scaled="0"/>
         </a:gradFill>
-        <a:gradFill rotWithShape="1">
-          <a:gsLst>
-            <a:gs pos="0">
+        <a:blipFill>
+          <a:blip xmlns:r="http://schemas.openxmlformats.org/officeDocument/2006/relationships" r:embed="rId1">
+            <a:duotone>
+              <a:schemeClr val="phClr">
+                <a:shade val="800"/>
+                <a:satMod val="150000"/>
+              </a:schemeClr>
               <a:schemeClr val="phClr">
                 <a:tint val="80000"/>
-                <a:satMod val="300000"/>
+                <a:satMod val="150000"/>
               </a:schemeClr>
-            </a:gs>
-            <a:gs pos="100000">
-              <a:schemeClr val="phClr">
-                <a:shade val="30000"/>
-                <a:satMod val="200000"/>
-              </a:schemeClr>
-            </a:gs>
-          </a:gsLst>
-          <a:path path="circle">
-            <a:fillToRect l="50000" t="50000" r="50000" b="50000"/>
-          </a:path>
-        </a:gradFill>
+            </a:duotone>
+          </a:blip>
+          <a:tile tx="0" ty="0" sx="75000" sy="75000" flip="none" algn="tl"/>
+        </a:blipFill>
       </a:bgFillStyleLst>
     </a:fmtScheme>
   </a:themeElements>
